--- a/figures/fringillidae-cross-validation/fig-cross-validation-xy-plots.pptx
+++ b/figures/fringillidae-cross-validation/fig-cross-validation-xy-plots.pptx
@@ -6,7 +6,6 @@
   </p:sldMasterIdLst>
   <p:sldIdLst>
     <p:sldId id="256" r:id="rId2"/>
-    <p:sldId id="257" r:id="rId3"/>
   </p:sldIdLst>
   <p:sldSz cx="6858000" cy="9144000" type="screen4x3"/>
   <p:notesSz cx="6858000" cy="9144000"/>
@@ -255,7 +254,7 @@
           <a:p>
             <a:fld id="{F26A468D-0533-8849-987E-F3D35C776C03}" type="datetimeFigureOut">
               <a:rPr lang="en-US" smtClean="0"/>
-              <a:t>4/7/22</a:t>
+              <a:t>6/7/23</a:t>
             </a:fld>
             <a:endParaRPr lang="en-US"/>
           </a:p>
@@ -425,7 +424,7 @@
           <a:p>
             <a:fld id="{F26A468D-0533-8849-987E-F3D35C776C03}" type="datetimeFigureOut">
               <a:rPr lang="en-US" smtClean="0"/>
-              <a:t>4/7/22</a:t>
+              <a:t>6/7/23</a:t>
             </a:fld>
             <a:endParaRPr lang="en-US"/>
           </a:p>
@@ -605,7 +604,7 @@
           <a:p>
             <a:fld id="{F26A468D-0533-8849-987E-F3D35C776C03}" type="datetimeFigureOut">
               <a:rPr lang="en-US" smtClean="0"/>
-              <a:t>4/7/22</a:t>
+              <a:t>6/7/23</a:t>
             </a:fld>
             <a:endParaRPr lang="en-US"/>
           </a:p>
@@ -775,7 +774,7 @@
           <a:p>
             <a:fld id="{F26A468D-0533-8849-987E-F3D35C776C03}" type="datetimeFigureOut">
               <a:rPr lang="en-US" smtClean="0"/>
-              <a:t>4/7/22</a:t>
+              <a:t>6/7/23</a:t>
             </a:fld>
             <a:endParaRPr lang="en-US"/>
           </a:p>
@@ -1019,7 +1018,7 @@
           <a:p>
             <a:fld id="{F26A468D-0533-8849-987E-F3D35C776C03}" type="datetimeFigureOut">
               <a:rPr lang="en-US" smtClean="0"/>
-              <a:t>4/7/22</a:t>
+              <a:t>6/7/23</a:t>
             </a:fld>
             <a:endParaRPr lang="en-US"/>
           </a:p>
@@ -1251,7 +1250,7 @@
           <a:p>
             <a:fld id="{F26A468D-0533-8849-987E-F3D35C776C03}" type="datetimeFigureOut">
               <a:rPr lang="en-US" smtClean="0"/>
-              <a:t>4/7/22</a:t>
+              <a:t>6/7/23</a:t>
             </a:fld>
             <a:endParaRPr lang="en-US"/>
           </a:p>
@@ -1618,7 +1617,7 @@
           <a:p>
             <a:fld id="{F26A468D-0533-8849-987E-F3D35C776C03}" type="datetimeFigureOut">
               <a:rPr lang="en-US" smtClean="0"/>
-              <a:t>4/7/22</a:t>
+              <a:t>6/7/23</a:t>
             </a:fld>
             <a:endParaRPr lang="en-US"/>
           </a:p>
@@ -1736,7 +1735,7 @@
           <a:p>
             <a:fld id="{F26A468D-0533-8849-987E-F3D35C776C03}" type="datetimeFigureOut">
               <a:rPr lang="en-US" smtClean="0"/>
-              <a:t>4/7/22</a:t>
+              <a:t>6/7/23</a:t>
             </a:fld>
             <a:endParaRPr lang="en-US"/>
           </a:p>
@@ -1831,7 +1830,7 @@
           <a:p>
             <a:fld id="{F26A468D-0533-8849-987E-F3D35C776C03}" type="datetimeFigureOut">
               <a:rPr lang="en-US" smtClean="0"/>
-              <a:t>4/7/22</a:t>
+              <a:t>6/7/23</a:t>
             </a:fld>
             <a:endParaRPr lang="en-US"/>
           </a:p>
@@ -2108,7 +2107,7 @@
           <a:p>
             <a:fld id="{F26A468D-0533-8849-987E-F3D35C776C03}" type="datetimeFigureOut">
               <a:rPr lang="en-US" smtClean="0"/>
-              <a:t>4/7/22</a:t>
+              <a:t>6/7/23</a:t>
             </a:fld>
             <a:endParaRPr lang="en-US"/>
           </a:p>
@@ -2365,7 +2364,7 @@
           <a:p>
             <a:fld id="{F26A468D-0533-8849-987E-F3D35C776C03}" type="datetimeFigureOut">
               <a:rPr lang="en-US" smtClean="0"/>
-              <a:t>4/7/22</a:t>
+              <a:t>6/7/23</a:t>
             </a:fld>
             <a:endParaRPr lang="en-US"/>
           </a:p>
@@ -2578,7 +2577,7 @@
           <a:p>
             <a:fld id="{F26A468D-0533-8849-987E-F3D35C776C03}" type="datetimeFigureOut">
               <a:rPr lang="en-US" smtClean="0"/>
-              <a:t>4/7/22</a:t>
+              <a:t>6/7/23</a:t>
             </a:fld>
             <a:endParaRPr lang="en-US"/>
           </a:p>
@@ -3005,7 +3004,7 @@
         </p:blipFill>
         <p:spPr>
           <a:xfrm>
-            <a:off x="1" y="24643"/>
+            <a:off x="1" y="-3067"/>
             <a:ext cx="2308485" cy="2308485"/>
           </a:xfrm>
           <a:prstGeom prst="rect">
@@ -3035,7 +3034,7 @@
         </p:blipFill>
         <p:spPr>
           <a:xfrm>
-            <a:off x="2274758" y="24643"/>
+            <a:off x="2274758" y="-3067"/>
             <a:ext cx="2308485" cy="2308485"/>
           </a:xfrm>
           <a:prstGeom prst="rect">
@@ -3065,7 +3064,7 @@
         </p:blipFill>
         <p:spPr>
           <a:xfrm>
-            <a:off x="4549515" y="24643"/>
+            <a:off x="4549515" y="-3067"/>
             <a:ext cx="2308485" cy="2308485"/>
           </a:xfrm>
           <a:prstGeom prst="rect">
@@ -3095,7 +3094,7 @@
         </p:blipFill>
         <p:spPr>
           <a:xfrm>
-            <a:off x="5621" y="2333128"/>
+            <a:off x="5621" y="2277708"/>
             <a:ext cx="2308485" cy="2308485"/>
           </a:xfrm>
           <a:prstGeom prst="rect">
@@ -3125,7 +3124,7 @@
         </p:blipFill>
         <p:spPr>
           <a:xfrm>
-            <a:off x="2269138" y="2333127"/>
+            <a:off x="2269138" y="2277707"/>
             <a:ext cx="2308485" cy="2308485"/>
           </a:xfrm>
           <a:prstGeom prst="rect">
@@ -3155,7 +3154,7 @@
         </p:blipFill>
         <p:spPr>
           <a:xfrm>
-            <a:off x="4616970" y="2333129"/>
+            <a:off x="4616970" y="2277709"/>
             <a:ext cx="2308485" cy="2308485"/>
           </a:xfrm>
           <a:prstGeom prst="rect">
@@ -3185,7 +3184,7 @@
         </p:blipFill>
         <p:spPr>
           <a:xfrm>
-            <a:off x="22485" y="4641611"/>
+            <a:off x="22485" y="4600046"/>
             <a:ext cx="2286000" cy="2286000"/>
           </a:xfrm>
           <a:prstGeom prst="rect">
@@ -3215,7 +3214,7 @@
         </p:blipFill>
         <p:spPr>
           <a:xfrm>
-            <a:off x="2353453" y="4619127"/>
+            <a:off x="2353453" y="4591417"/>
             <a:ext cx="2308485" cy="2308485"/>
           </a:xfrm>
           <a:prstGeom prst="rect">
@@ -3245,7 +3244,7 @@
         </p:blipFill>
         <p:spPr>
           <a:xfrm>
-            <a:off x="4572004" y="4641609"/>
+            <a:off x="4572004" y="4600044"/>
             <a:ext cx="2286000" cy="2286000"/>
           </a:xfrm>
           <a:prstGeom prst="rect">
@@ -3275,7 +3274,7 @@
         </p:blipFill>
         <p:spPr>
           <a:xfrm>
-            <a:off x="44969" y="6812351"/>
+            <a:off x="44969" y="6840061"/>
             <a:ext cx="2286000" cy="2286000"/>
           </a:xfrm>
           <a:prstGeom prst="rect">
@@ -3305,7 +3304,7 @@
         </p:blipFill>
         <p:spPr>
           <a:xfrm>
-            <a:off x="2314106" y="6812352"/>
+            <a:off x="2314106" y="6826207"/>
             <a:ext cx="2308485" cy="2308485"/>
           </a:xfrm>
           <a:prstGeom prst="rect">
@@ -3335,7 +3334,7 @@
         </p:blipFill>
         <p:spPr>
           <a:xfrm>
-            <a:off x="4639454" y="6789863"/>
+            <a:off x="4639454" y="6817573"/>
             <a:ext cx="2308485" cy="2308485"/>
           </a:xfrm>
           <a:prstGeom prst="rect">
@@ -3343,400 +3342,162 @@
           </a:prstGeom>
         </p:spPr>
       </p:pic>
+      <p:sp>
+        <p:nvSpPr>
+          <p:cNvPr id="2" name="TextBox 1">
+            <a:extLst>
+              <a:ext uri="{FF2B5EF4-FFF2-40B4-BE49-F238E27FC236}">
+                <a16:creationId xmlns:a16="http://schemas.microsoft.com/office/drawing/2014/main" id="{B08D5BB2-5031-3002-C702-5C06702FB420}"/>
+              </a:ext>
+            </a:extLst>
+          </p:cNvPr>
+          <p:cNvSpPr txBox="1"/>
+          <p:nvPr/>
+        </p:nvSpPr>
+        <p:spPr>
+          <a:xfrm>
+            <a:off x="193961" y="27925"/>
+            <a:ext cx="4990469" cy="276999"/>
+          </a:xfrm>
+          <a:prstGeom prst="rect">
+            <a:avLst/>
+          </a:prstGeom>
+          <a:noFill/>
+        </p:spPr>
+        <p:txBody>
+          <a:bodyPr wrap="none" rtlCol="0">
+            <a:spAutoFit/>
+          </a:bodyPr>
+          <a:lstStyle/>
+          <a:p>
+            <a:r>
+              <a:rPr lang="en-US" sz="1200" dirty="0">
+                <a:latin typeface="Andale Mono" panose="020B0509000000000004" pitchFamily="49" charset="0"/>
+                <a:cs typeface="Times New Roman" panose="02020603050405020304" pitchFamily="18" charset="0"/>
+              </a:rPr>
+              <a:t>a)                       b)       			     c)</a:t>
+            </a:r>
+          </a:p>
+        </p:txBody>
+      </p:sp>
+      <p:sp>
+        <p:nvSpPr>
+          <p:cNvPr id="3" name="TextBox 2">
+            <a:extLst>
+              <a:ext uri="{FF2B5EF4-FFF2-40B4-BE49-F238E27FC236}">
+                <a16:creationId xmlns:a16="http://schemas.microsoft.com/office/drawing/2014/main" id="{49D4EBA9-C2E8-E1E9-29A9-9D8C31B899E6}"/>
+              </a:ext>
+            </a:extLst>
+          </p:cNvPr>
+          <p:cNvSpPr txBox="1"/>
+          <p:nvPr/>
+        </p:nvSpPr>
+        <p:spPr>
+          <a:xfrm>
+            <a:off x="196456" y="2314045"/>
+            <a:ext cx="4990469" cy="276999"/>
+          </a:xfrm>
+          <a:prstGeom prst="rect">
+            <a:avLst/>
+          </a:prstGeom>
+          <a:noFill/>
+        </p:spPr>
+        <p:txBody>
+          <a:bodyPr wrap="none" rtlCol="0">
+            <a:spAutoFit/>
+          </a:bodyPr>
+          <a:lstStyle/>
+          <a:p>
+            <a:r>
+              <a:rPr lang="en-US" sz="1200" dirty="0">
+                <a:latin typeface="Andale Mono" panose="020B0509000000000004" pitchFamily="49" charset="0"/>
+                <a:cs typeface="Times New Roman" panose="02020603050405020304" pitchFamily="18" charset="0"/>
+              </a:rPr>
+              <a:t>d)                       e)       			     f)</a:t>
+            </a:r>
+          </a:p>
+        </p:txBody>
+      </p:sp>
+      <p:sp>
+        <p:nvSpPr>
+          <p:cNvPr id="4" name="TextBox 3">
+            <a:extLst>
+              <a:ext uri="{FF2B5EF4-FFF2-40B4-BE49-F238E27FC236}">
+                <a16:creationId xmlns:a16="http://schemas.microsoft.com/office/drawing/2014/main" id="{E93F2218-4FE7-ACEC-D67F-34D1390C8A5B}"/>
+              </a:ext>
+            </a:extLst>
+          </p:cNvPr>
+          <p:cNvSpPr txBox="1"/>
+          <p:nvPr/>
+        </p:nvSpPr>
+        <p:spPr>
+          <a:xfrm>
+            <a:off x="198951" y="4641730"/>
+            <a:ext cx="4990469" cy="276999"/>
+          </a:xfrm>
+          <a:prstGeom prst="rect">
+            <a:avLst/>
+          </a:prstGeom>
+          <a:noFill/>
+        </p:spPr>
+        <p:txBody>
+          <a:bodyPr wrap="none" rtlCol="0">
+            <a:spAutoFit/>
+          </a:bodyPr>
+          <a:lstStyle/>
+          <a:p>
+            <a:r>
+              <a:rPr lang="en-US" sz="1200" dirty="0">
+                <a:latin typeface="Andale Mono" panose="020B0509000000000004" pitchFamily="49" charset="0"/>
+                <a:cs typeface="Times New Roman" panose="02020603050405020304" pitchFamily="18" charset="0"/>
+              </a:rPr>
+              <a:t>g)                       h)       			     i)</a:t>
+            </a:r>
+          </a:p>
+        </p:txBody>
+      </p:sp>
+      <p:sp>
+        <p:nvSpPr>
+          <p:cNvPr id="6" name="TextBox 5">
+            <a:extLst>
+              <a:ext uri="{FF2B5EF4-FFF2-40B4-BE49-F238E27FC236}">
+                <a16:creationId xmlns:a16="http://schemas.microsoft.com/office/drawing/2014/main" id="{7E0C5CDB-F71A-54B9-399C-C3467EFD7CA5}"/>
+              </a:ext>
+            </a:extLst>
+          </p:cNvPr>
+          <p:cNvSpPr txBox="1"/>
+          <p:nvPr/>
+        </p:nvSpPr>
+        <p:spPr>
+          <a:xfrm>
+            <a:off x="201446" y="6858575"/>
+            <a:ext cx="4990469" cy="276999"/>
+          </a:xfrm>
+          <a:prstGeom prst="rect">
+            <a:avLst/>
+          </a:prstGeom>
+          <a:noFill/>
+        </p:spPr>
+        <p:txBody>
+          <a:bodyPr wrap="none" rtlCol="0">
+            <a:spAutoFit/>
+          </a:bodyPr>
+          <a:lstStyle/>
+          <a:p>
+            <a:r>
+              <a:rPr lang="en-US" sz="1200" dirty="0">
+                <a:latin typeface="Andale Mono" panose="020B0509000000000004" pitchFamily="49" charset="0"/>
+                <a:cs typeface="Times New Roman" panose="02020603050405020304" pitchFamily="18" charset="0"/>
+              </a:rPr>
+              <a:t>j)                       k)       			     l)</a:t>
+            </a:r>
+          </a:p>
+        </p:txBody>
+      </p:sp>
     </p:spTree>
     <p:extLst>
       <p:ext uri="{BB962C8B-B14F-4D97-AF65-F5344CB8AC3E}">
         <p14:creationId xmlns:p14="http://schemas.microsoft.com/office/powerpoint/2010/main" val="482493978"/>
-      </p:ext>
-    </p:extLst>
-  </p:cSld>
-  <p:clrMapOvr>
-    <a:masterClrMapping/>
-  </p:clrMapOvr>
-</p:sld>
-</file>
-
-<file path=ppt/slides/slide2.xml><?xml version="1.0" encoding="utf-8"?>
-<p:sld xmlns:a="http://schemas.openxmlformats.org/drawingml/2006/main" xmlns:r="http://schemas.openxmlformats.org/officeDocument/2006/relationships" xmlns:p="http://schemas.openxmlformats.org/presentationml/2006/main">
-  <p:cSld>
-    <p:spTree>
-      <p:nvGrpSpPr>
-        <p:cNvPr id="1" name=""/>
-        <p:cNvGrpSpPr/>
-        <p:nvPr/>
-      </p:nvGrpSpPr>
-      <p:grpSpPr>
-        <a:xfrm>
-          <a:off x="0" y="0"/>
-          <a:ext cx="0" cy="0"/>
-          <a:chOff x="0" y="0"/>
-          <a:chExt cx="0" cy="0"/>
-        </a:xfrm>
-      </p:grpSpPr>
-      <p:pic>
-        <p:nvPicPr>
-          <p:cNvPr id="5" name="Picture 4">
-            <a:extLst>
-              <a:ext uri="{FF2B5EF4-FFF2-40B4-BE49-F238E27FC236}">
-                <a16:creationId xmlns:a16="http://schemas.microsoft.com/office/drawing/2014/main" id="{DD58D9D1-71C2-A740-AD00-2770448B08F8}"/>
-              </a:ext>
-            </a:extLst>
-          </p:cNvPr>
-          <p:cNvPicPr>
-            <a:picLocks noChangeAspect="1"/>
-          </p:cNvPicPr>
-          <p:nvPr/>
-        </p:nvPicPr>
-        <p:blipFill>
-          <a:blip r:embed="rId2"/>
-          <a:stretch>
-            <a:fillRect/>
-          </a:stretch>
-        </p:blipFill>
-        <p:spPr>
-          <a:xfrm>
-            <a:off x="0" y="0"/>
-            <a:ext cx="2286000" cy="2286000"/>
-          </a:xfrm>
-          <a:prstGeom prst="rect">
-            <a:avLst/>
-          </a:prstGeom>
-        </p:spPr>
-      </p:pic>
-      <p:pic>
-        <p:nvPicPr>
-          <p:cNvPr id="9" name="Picture 8">
-            <a:extLst>
-              <a:ext uri="{FF2B5EF4-FFF2-40B4-BE49-F238E27FC236}">
-                <a16:creationId xmlns:a16="http://schemas.microsoft.com/office/drawing/2014/main" id="{0B4AFF49-F50D-5E44-82F6-AA45D2D13CCC}"/>
-              </a:ext>
-            </a:extLst>
-          </p:cNvPr>
-          <p:cNvPicPr>
-            <a:picLocks noChangeAspect="1"/>
-          </p:cNvPicPr>
-          <p:nvPr/>
-        </p:nvPicPr>
-        <p:blipFill>
-          <a:blip r:embed="rId3"/>
-          <a:stretch>
-            <a:fillRect/>
-          </a:stretch>
-        </p:blipFill>
-        <p:spPr>
-          <a:xfrm>
-            <a:off x="2216729" y="0"/>
-            <a:ext cx="2286000" cy="2286000"/>
-          </a:xfrm>
-          <a:prstGeom prst="rect">
-            <a:avLst/>
-          </a:prstGeom>
-        </p:spPr>
-      </p:pic>
-      <p:pic>
-        <p:nvPicPr>
-          <p:cNvPr id="11" name="Picture 10">
-            <a:extLst>
-              <a:ext uri="{FF2B5EF4-FFF2-40B4-BE49-F238E27FC236}">
-                <a16:creationId xmlns:a16="http://schemas.microsoft.com/office/drawing/2014/main" id="{A31AAB12-EA81-764C-B5E7-3E89EF24DE0F}"/>
-              </a:ext>
-            </a:extLst>
-          </p:cNvPr>
-          <p:cNvPicPr>
-            <a:picLocks noChangeAspect="1"/>
-          </p:cNvPicPr>
-          <p:nvPr/>
-        </p:nvPicPr>
-        <p:blipFill>
-          <a:blip r:embed="rId4"/>
-          <a:stretch>
-            <a:fillRect/>
-          </a:stretch>
-        </p:blipFill>
-        <p:spPr>
-          <a:xfrm>
-            <a:off x="4502729" y="0"/>
-            <a:ext cx="2286000" cy="2286000"/>
-          </a:xfrm>
-          <a:prstGeom prst="rect">
-            <a:avLst/>
-          </a:prstGeom>
-        </p:spPr>
-      </p:pic>
-      <p:pic>
-        <p:nvPicPr>
-          <p:cNvPr id="13" name="Picture 12">
-            <a:extLst>
-              <a:ext uri="{FF2B5EF4-FFF2-40B4-BE49-F238E27FC236}">
-                <a16:creationId xmlns:a16="http://schemas.microsoft.com/office/drawing/2014/main" id="{6E6D1DD4-0798-6D42-B1D1-1F5CF4DB8369}"/>
-              </a:ext>
-            </a:extLst>
-          </p:cNvPr>
-          <p:cNvPicPr>
-            <a:picLocks noChangeAspect="1"/>
-          </p:cNvPicPr>
-          <p:nvPr/>
-        </p:nvPicPr>
-        <p:blipFill>
-          <a:blip r:embed="rId5"/>
-          <a:stretch>
-            <a:fillRect/>
-          </a:stretch>
-        </p:blipFill>
-        <p:spPr>
-          <a:xfrm>
-            <a:off x="-4" y="2286000"/>
-            <a:ext cx="2286000" cy="2286000"/>
-          </a:xfrm>
-          <a:prstGeom prst="rect">
-            <a:avLst/>
-          </a:prstGeom>
-        </p:spPr>
-      </p:pic>
-      <p:pic>
-        <p:nvPicPr>
-          <p:cNvPr id="15" name="Picture 14">
-            <a:extLst>
-              <a:ext uri="{FF2B5EF4-FFF2-40B4-BE49-F238E27FC236}">
-                <a16:creationId xmlns:a16="http://schemas.microsoft.com/office/drawing/2014/main" id="{697B5911-076D-A246-B68B-BAD24C5FA495}"/>
-              </a:ext>
-            </a:extLst>
-          </p:cNvPr>
-          <p:cNvPicPr>
-            <a:picLocks noChangeAspect="1"/>
-          </p:cNvPicPr>
-          <p:nvPr/>
-        </p:nvPicPr>
-        <p:blipFill>
-          <a:blip r:embed="rId6"/>
-          <a:stretch>
-            <a:fillRect/>
-          </a:stretch>
-        </p:blipFill>
-        <p:spPr>
-          <a:xfrm>
-            <a:off x="2251361" y="2286000"/>
-            <a:ext cx="2286000" cy="2286000"/>
-          </a:xfrm>
-          <a:prstGeom prst="rect">
-            <a:avLst/>
-          </a:prstGeom>
-        </p:spPr>
-      </p:pic>
-      <p:pic>
-        <p:nvPicPr>
-          <p:cNvPr id="19" name="Picture 18">
-            <a:extLst>
-              <a:ext uri="{FF2B5EF4-FFF2-40B4-BE49-F238E27FC236}">
-                <a16:creationId xmlns:a16="http://schemas.microsoft.com/office/drawing/2014/main" id="{1A0BA476-2ADF-A549-9DDA-B9F39582E6C0}"/>
-              </a:ext>
-            </a:extLst>
-          </p:cNvPr>
-          <p:cNvPicPr>
-            <a:picLocks noChangeAspect="1"/>
-          </p:cNvPicPr>
-          <p:nvPr/>
-        </p:nvPicPr>
-        <p:blipFill>
-          <a:blip r:embed="rId7"/>
-          <a:stretch>
-            <a:fillRect/>
-          </a:stretch>
-        </p:blipFill>
-        <p:spPr>
-          <a:xfrm>
-            <a:off x="4554688" y="2286000"/>
-            <a:ext cx="2286000" cy="2286000"/>
-          </a:xfrm>
-          <a:prstGeom prst="rect">
-            <a:avLst/>
-          </a:prstGeom>
-        </p:spPr>
-      </p:pic>
-      <p:pic>
-        <p:nvPicPr>
-          <p:cNvPr id="21" name="Picture 20">
-            <a:extLst>
-              <a:ext uri="{FF2B5EF4-FFF2-40B4-BE49-F238E27FC236}">
-                <a16:creationId xmlns:a16="http://schemas.microsoft.com/office/drawing/2014/main" id="{F1B803BA-A829-A549-9B55-DF06793AE97E}"/>
-              </a:ext>
-            </a:extLst>
-          </p:cNvPr>
-          <p:cNvPicPr>
-            <a:picLocks noChangeAspect="1"/>
-          </p:cNvPicPr>
-          <p:nvPr/>
-        </p:nvPicPr>
-        <p:blipFill>
-          <a:blip r:embed="rId8"/>
-          <a:stretch>
-            <a:fillRect/>
-          </a:stretch>
-        </p:blipFill>
-        <p:spPr>
-          <a:xfrm>
-            <a:off x="-3466" y="4572000"/>
-            <a:ext cx="2286000" cy="2286000"/>
-          </a:xfrm>
-          <a:prstGeom prst="rect">
-            <a:avLst/>
-          </a:prstGeom>
-        </p:spPr>
-      </p:pic>
-      <p:pic>
-        <p:nvPicPr>
-          <p:cNvPr id="23" name="Picture 22">
-            <a:extLst>
-              <a:ext uri="{FF2B5EF4-FFF2-40B4-BE49-F238E27FC236}">
-                <a16:creationId xmlns:a16="http://schemas.microsoft.com/office/drawing/2014/main" id="{5E3CCB46-29AD-9045-A950-2D33F52B3163}"/>
-              </a:ext>
-            </a:extLst>
-          </p:cNvPr>
-          <p:cNvPicPr>
-            <a:picLocks noChangeAspect="1"/>
-          </p:cNvPicPr>
-          <p:nvPr/>
-        </p:nvPicPr>
-        <p:blipFill>
-          <a:blip r:embed="rId9"/>
-          <a:stretch>
-            <a:fillRect/>
-          </a:stretch>
-        </p:blipFill>
-        <p:spPr>
-          <a:xfrm>
-            <a:off x="2317166" y="4572000"/>
-            <a:ext cx="2286000" cy="2286000"/>
-          </a:xfrm>
-          <a:prstGeom prst="rect">
-            <a:avLst/>
-          </a:prstGeom>
-        </p:spPr>
-      </p:pic>
-      <p:pic>
-        <p:nvPicPr>
-          <p:cNvPr id="25" name="Picture 24">
-            <a:extLst>
-              <a:ext uri="{FF2B5EF4-FFF2-40B4-BE49-F238E27FC236}">
-                <a16:creationId xmlns:a16="http://schemas.microsoft.com/office/drawing/2014/main" id="{7F1B31CF-3038-6F41-AC36-81998B223238}"/>
-              </a:ext>
-            </a:extLst>
-          </p:cNvPr>
-          <p:cNvPicPr>
-            <a:picLocks noChangeAspect="1"/>
-          </p:cNvPicPr>
-          <p:nvPr/>
-        </p:nvPicPr>
-        <p:blipFill>
-          <a:blip r:embed="rId10"/>
-          <a:stretch>
-            <a:fillRect/>
-          </a:stretch>
-        </p:blipFill>
-        <p:spPr>
-          <a:xfrm>
-            <a:off x="4634336" y="4572000"/>
-            <a:ext cx="2286000" cy="2286000"/>
-          </a:xfrm>
-          <a:prstGeom prst="rect">
-            <a:avLst/>
-          </a:prstGeom>
-        </p:spPr>
-      </p:pic>
-      <p:pic>
-        <p:nvPicPr>
-          <p:cNvPr id="27" name="Picture 26">
-            <a:extLst>
-              <a:ext uri="{FF2B5EF4-FFF2-40B4-BE49-F238E27FC236}">
-                <a16:creationId xmlns:a16="http://schemas.microsoft.com/office/drawing/2014/main" id="{2B7E8BFF-18AB-8244-A1B7-4ED47DAE3421}"/>
-              </a:ext>
-            </a:extLst>
-          </p:cNvPr>
-          <p:cNvPicPr>
-            <a:picLocks noChangeAspect="1"/>
-          </p:cNvPicPr>
-          <p:nvPr/>
-        </p:nvPicPr>
-        <p:blipFill>
-          <a:blip r:embed="rId11"/>
-          <a:stretch>
-            <a:fillRect/>
-          </a:stretch>
-        </p:blipFill>
-        <p:spPr>
-          <a:xfrm>
-            <a:off x="27704" y="6761018"/>
-            <a:ext cx="2286000" cy="2286000"/>
-          </a:xfrm>
-          <a:prstGeom prst="rect">
-            <a:avLst/>
-          </a:prstGeom>
-        </p:spPr>
-      </p:pic>
-      <p:pic>
-        <p:nvPicPr>
-          <p:cNvPr id="29" name="Picture 28">
-            <a:extLst>
-              <a:ext uri="{FF2B5EF4-FFF2-40B4-BE49-F238E27FC236}">
-                <a16:creationId xmlns:a16="http://schemas.microsoft.com/office/drawing/2014/main" id="{751EF4EB-840E-B248-A505-0B9B3E15AEB5}"/>
-              </a:ext>
-            </a:extLst>
-          </p:cNvPr>
-          <p:cNvPicPr>
-            <a:picLocks noChangeAspect="1"/>
-          </p:cNvPicPr>
-          <p:nvPr/>
-        </p:nvPicPr>
-        <p:blipFill>
-          <a:blip r:embed="rId12"/>
-          <a:stretch>
-            <a:fillRect/>
-          </a:stretch>
-        </p:blipFill>
-        <p:spPr>
-          <a:xfrm>
-            <a:off x="2282534" y="6761018"/>
-            <a:ext cx="2286000" cy="2286000"/>
-          </a:xfrm>
-          <a:prstGeom prst="rect">
-            <a:avLst/>
-          </a:prstGeom>
-        </p:spPr>
-      </p:pic>
-      <p:pic>
-        <p:nvPicPr>
-          <p:cNvPr id="31" name="Picture 30">
-            <a:extLst>
-              <a:ext uri="{FF2B5EF4-FFF2-40B4-BE49-F238E27FC236}">
-                <a16:creationId xmlns:a16="http://schemas.microsoft.com/office/drawing/2014/main" id="{C63677FD-CD4A-5146-A521-E795F4D96BF3}"/>
-              </a:ext>
-            </a:extLst>
-          </p:cNvPr>
-          <p:cNvPicPr>
-            <a:picLocks noChangeAspect="1"/>
-          </p:cNvPicPr>
-          <p:nvPr/>
-        </p:nvPicPr>
-        <p:blipFill>
-          <a:blip r:embed="rId13"/>
-          <a:stretch>
-            <a:fillRect/>
-          </a:stretch>
-        </p:blipFill>
-        <p:spPr>
-          <a:xfrm>
-            <a:off x="4634348" y="6761018"/>
-            <a:ext cx="2286000" cy="2286000"/>
-          </a:xfrm>
-          <a:prstGeom prst="rect">
-            <a:avLst/>
-          </a:prstGeom>
-        </p:spPr>
-      </p:pic>
-    </p:spTree>
-    <p:extLst>
-      <p:ext uri="{BB962C8B-B14F-4D97-AF65-F5344CB8AC3E}">
-        <p14:creationId xmlns:p14="http://schemas.microsoft.com/office/powerpoint/2010/main" val="3998198153"/>
       </p:ext>
     </p:extLst>
   </p:cSld>

--- a/figures/fringillidae-cross-validation/fig-cross-validation-xy-plots.pptx
+++ b/figures/fringillidae-cross-validation/fig-cross-validation-xy-plots.pptx
@@ -107,12 +107,12 @@
   <p:extLst>
     <p:ext uri="{EFAFB233-063F-42B5-8137-9DF3F51BA10A}">
       <p15:sldGuideLst xmlns:p15="http://schemas.microsoft.com/office/powerpoint/2012/main">
-        <p15:guide id="1" orient="horz" pos="2880" userDrawn="1">
+        <p15:guide id="1" orient="horz" pos="4536" userDrawn="1">
           <p15:clr>
             <a:srgbClr val="A4A3A4"/>
           </p15:clr>
         </p15:guide>
-        <p15:guide id="2" pos="2160" userDrawn="1">
+        <p15:guide id="2" pos="3144" userDrawn="1">
           <p15:clr>
             <a:srgbClr val="A4A3A4"/>
           </p15:clr>
@@ -254,7 +254,7 @@
           <a:p>
             <a:fld id="{F26A468D-0533-8849-987E-F3D35C776C03}" type="datetimeFigureOut">
               <a:rPr lang="en-US" smtClean="0"/>
-              <a:t>6/7/23</a:t>
+              <a:t>11/7/23</a:t>
             </a:fld>
             <a:endParaRPr lang="en-US"/>
           </a:p>
@@ -424,7 +424,7 @@
           <a:p>
             <a:fld id="{F26A468D-0533-8849-987E-F3D35C776C03}" type="datetimeFigureOut">
               <a:rPr lang="en-US" smtClean="0"/>
-              <a:t>6/7/23</a:t>
+              <a:t>11/7/23</a:t>
             </a:fld>
             <a:endParaRPr lang="en-US"/>
           </a:p>
@@ -604,7 +604,7 @@
           <a:p>
             <a:fld id="{F26A468D-0533-8849-987E-F3D35C776C03}" type="datetimeFigureOut">
               <a:rPr lang="en-US" smtClean="0"/>
-              <a:t>6/7/23</a:t>
+              <a:t>11/7/23</a:t>
             </a:fld>
             <a:endParaRPr lang="en-US"/>
           </a:p>
@@ -774,7 +774,7 @@
           <a:p>
             <a:fld id="{F26A468D-0533-8849-987E-F3D35C776C03}" type="datetimeFigureOut">
               <a:rPr lang="en-US" smtClean="0"/>
-              <a:t>6/7/23</a:t>
+              <a:t>11/7/23</a:t>
             </a:fld>
             <a:endParaRPr lang="en-US"/>
           </a:p>
@@ -1018,7 +1018,7 @@
           <a:p>
             <a:fld id="{F26A468D-0533-8849-987E-F3D35C776C03}" type="datetimeFigureOut">
               <a:rPr lang="en-US" smtClean="0"/>
-              <a:t>6/7/23</a:t>
+              <a:t>11/7/23</a:t>
             </a:fld>
             <a:endParaRPr lang="en-US"/>
           </a:p>
@@ -1250,7 +1250,7 @@
           <a:p>
             <a:fld id="{F26A468D-0533-8849-987E-F3D35C776C03}" type="datetimeFigureOut">
               <a:rPr lang="en-US" smtClean="0"/>
-              <a:t>6/7/23</a:t>
+              <a:t>11/7/23</a:t>
             </a:fld>
             <a:endParaRPr lang="en-US"/>
           </a:p>
@@ -1617,7 +1617,7 @@
           <a:p>
             <a:fld id="{F26A468D-0533-8849-987E-F3D35C776C03}" type="datetimeFigureOut">
               <a:rPr lang="en-US" smtClean="0"/>
-              <a:t>6/7/23</a:t>
+              <a:t>11/7/23</a:t>
             </a:fld>
             <a:endParaRPr lang="en-US"/>
           </a:p>
@@ -1735,7 +1735,7 @@
           <a:p>
             <a:fld id="{F26A468D-0533-8849-987E-F3D35C776C03}" type="datetimeFigureOut">
               <a:rPr lang="en-US" smtClean="0"/>
-              <a:t>6/7/23</a:t>
+              <a:t>11/7/23</a:t>
             </a:fld>
             <a:endParaRPr lang="en-US"/>
           </a:p>
@@ -1830,7 +1830,7 @@
           <a:p>
             <a:fld id="{F26A468D-0533-8849-987E-F3D35C776C03}" type="datetimeFigureOut">
               <a:rPr lang="en-US" smtClean="0"/>
-              <a:t>6/7/23</a:t>
+              <a:t>11/7/23</a:t>
             </a:fld>
             <a:endParaRPr lang="en-US"/>
           </a:p>
@@ -2107,7 +2107,7 @@
           <a:p>
             <a:fld id="{F26A468D-0533-8849-987E-F3D35C776C03}" type="datetimeFigureOut">
               <a:rPr lang="en-US" smtClean="0"/>
-              <a:t>6/7/23</a:t>
+              <a:t>11/7/23</a:t>
             </a:fld>
             <a:endParaRPr lang="en-US"/>
           </a:p>
@@ -2364,7 +2364,7 @@
           <a:p>
             <a:fld id="{F26A468D-0533-8849-987E-F3D35C776C03}" type="datetimeFigureOut">
               <a:rPr lang="en-US" smtClean="0"/>
-              <a:t>6/7/23</a:t>
+              <a:t>11/7/23</a:t>
             </a:fld>
             <a:endParaRPr lang="en-US"/>
           </a:p>
@@ -2577,7 +2577,7 @@
           <a:p>
             <a:fld id="{F26A468D-0533-8849-987E-F3D35C776C03}" type="datetimeFigureOut">
               <a:rPr lang="en-US" smtClean="0"/>
-              <a:t>6/7/23</a:t>
+              <a:t>11/7/23</a:t>
             </a:fld>
             <a:endParaRPr lang="en-US"/>
           </a:p>
@@ -2982,36 +2982,2217 @@
           <a:chExt cx="0" cy="0"/>
         </a:xfrm>
       </p:grpSpPr>
-      <p:pic>
-        <p:nvPicPr>
-          <p:cNvPr id="5" name="Picture 4">
+      <p:grpSp>
+        <p:nvGrpSpPr>
+          <p:cNvPr id="49" name="Group 48">
             <a:extLst>
               <a:ext uri="{FF2B5EF4-FFF2-40B4-BE49-F238E27FC236}">
-                <a16:creationId xmlns:a16="http://schemas.microsoft.com/office/drawing/2014/main" id="{D98766D1-88F3-784A-8E90-C02263B5740E}"/>
+                <a16:creationId xmlns:a16="http://schemas.microsoft.com/office/drawing/2014/main" id="{B352157C-9F4C-DC02-4239-5628D3689CB7}"/>
               </a:ext>
             </a:extLst>
           </p:cNvPr>
-          <p:cNvPicPr>
-            <a:picLocks noChangeAspect="1"/>
-          </p:cNvPicPr>
+          <p:cNvGrpSpPr/>
           <p:nvPr/>
-        </p:nvPicPr>
-        <p:blipFill>
-          <a:blip r:embed="rId2"/>
-          <a:stretch>
-            <a:fillRect/>
-          </a:stretch>
-        </p:blipFill>
-        <p:spPr>
+        </p:nvGrpSpPr>
+        <p:grpSpPr>
           <a:xfrm>
-            <a:off x="1" y="-3067"/>
-            <a:ext cx="2308485" cy="2308485"/>
+            <a:off x="4528900" y="2532426"/>
+            <a:ext cx="2285643" cy="2049971"/>
+            <a:chOff x="5908" y="253997"/>
+            <a:chExt cx="2285643" cy="2049971"/>
           </a:xfrm>
-          <a:prstGeom prst="rect">
-            <a:avLst/>
-          </a:prstGeom>
-        </p:spPr>
-      </p:pic>
+        </p:grpSpPr>
+        <p:sp>
+          <p:nvSpPr>
+            <p:cNvPr id="50" name="TextBox 49">
+              <a:extLst>
+                <a:ext uri="{FF2B5EF4-FFF2-40B4-BE49-F238E27FC236}">
+                  <a16:creationId xmlns:a16="http://schemas.microsoft.com/office/drawing/2014/main" id="{649E9045-99B0-5BEA-F0BA-1BE0A476AC53}"/>
+                </a:ext>
+              </a:extLst>
+            </p:cNvPr>
+            <p:cNvSpPr txBox="1"/>
+            <p:nvPr/>
+          </p:nvSpPr>
+          <p:spPr>
+            <a:xfrm>
+              <a:off x="436929" y="1848756"/>
+              <a:ext cx="1854622" cy="215444"/>
+            </a:xfrm>
+            <a:prstGeom prst="rect">
+              <a:avLst/>
+            </a:prstGeom>
+            <a:solidFill>
+              <a:srgbClr val="FFFFFF"/>
+            </a:solidFill>
+          </p:spPr>
+          <p:txBody>
+            <a:bodyPr wrap="square" rtlCol="0">
+              <a:spAutoFit/>
+            </a:bodyPr>
+            <a:lstStyle/>
+            <a:p>
+              <a:pPr algn="ctr"/>
+              <a:r>
+                <a:rPr lang="en-US" sz="800" dirty="0">
+                  <a:latin typeface="Helvetica" pitchFamily="2" charset="0"/>
+                  <a:cs typeface="Times New Roman" panose="02020603050405020304" pitchFamily="18" charset="0"/>
+                </a:rPr>
+                <a:t>40       30         20        10         0</a:t>
+              </a:r>
+            </a:p>
+          </p:txBody>
+        </p:sp>
+        <p:sp>
+          <p:nvSpPr>
+            <p:cNvPr id="51" name="TextBox 50">
+              <a:extLst>
+                <a:ext uri="{FF2B5EF4-FFF2-40B4-BE49-F238E27FC236}">
+                  <a16:creationId xmlns:a16="http://schemas.microsoft.com/office/drawing/2014/main" id="{BE421199-57B8-B8BA-F587-6DD648554AF5}"/>
+                </a:ext>
+              </a:extLst>
+            </p:cNvPr>
+            <p:cNvSpPr txBox="1"/>
+            <p:nvPr/>
+          </p:nvSpPr>
+          <p:spPr>
+            <a:xfrm rot="16200000">
+              <a:off x="-417480" y="925210"/>
+              <a:ext cx="1557869" cy="215444"/>
+            </a:xfrm>
+            <a:prstGeom prst="rect">
+              <a:avLst/>
+            </a:prstGeom>
+            <a:solidFill>
+              <a:srgbClr val="FFFFFF"/>
+            </a:solidFill>
+          </p:spPr>
+          <p:txBody>
+            <a:bodyPr wrap="square" rtlCol="0">
+              <a:spAutoFit/>
+            </a:bodyPr>
+            <a:lstStyle/>
+            <a:p>
+              <a:pPr algn="ctr"/>
+              <a:r>
+                <a:rPr lang="en-US" sz="800" dirty="0">
+                  <a:latin typeface="Helvetica" pitchFamily="2" charset="0"/>
+                  <a:cs typeface="Times New Roman" panose="02020603050405020304" pitchFamily="18" charset="0"/>
+                </a:rPr>
+                <a:t>40      30       20      10        0</a:t>
+              </a:r>
+            </a:p>
+          </p:txBody>
+        </p:sp>
+        <p:sp>
+          <p:nvSpPr>
+            <p:cNvPr id="52" name="TextBox 51">
+              <a:extLst>
+                <a:ext uri="{FF2B5EF4-FFF2-40B4-BE49-F238E27FC236}">
+                  <a16:creationId xmlns:a16="http://schemas.microsoft.com/office/drawing/2014/main" id="{33AFE729-5F40-26F0-D368-EC0A570C65F2}"/>
+                </a:ext>
+              </a:extLst>
+            </p:cNvPr>
+            <p:cNvSpPr txBox="1"/>
+            <p:nvPr/>
+          </p:nvSpPr>
+          <p:spPr>
+            <a:xfrm>
+              <a:off x="447541" y="1965414"/>
+              <a:ext cx="1660659" cy="338554"/>
+            </a:xfrm>
+            <a:prstGeom prst="rect">
+              <a:avLst/>
+            </a:prstGeom>
+            <a:noFill/>
+          </p:spPr>
+          <p:txBody>
+            <a:bodyPr wrap="square" rtlCol="0">
+              <a:spAutoFit/>
+            </a:bodyPr>
+            <a:lstStyle/>
+            <a:p>
+              <a:pPr algn="ctr"/>
+              <a:r>
+                <a:rPr lang="en-US" sz="800" dirty="0">
+                  <a:latin typeface="Helvetica" pitchFamily="2" charset="0"/>
+                  <a:cs typeface="Times New Roman" panose="02020603050405020304" pitchFamily="18" charset="0"/>
+                </a:rPr>
+                <a:t>Original node ages</a:t>
+              </a:r>
+            </a:p>
+            <a:p>
+              <a:pPr algn="ctr"/>
+              <a:r>
+                <a:rPr lang="en-US" sz="800" dirty="0">
+                  <a:latin typeface="Helvetica" pitchFamily="2" charset="0"/>
+                  <a:cs typeface="Times New Roman" panose="02020603050405020304" pitchFamily="18" charset="0"/>
+                </a:rPr>
+                <a:t>Time (Ma)</a:t>
+              </a:r>
+            </a:p>
+          </p:txBody>
+        </p:sp>
+        <p:sp>
+          <p:nvSpPr>
+            <p:cNvPr id="53" name="TextBox 52">
+              <a:extLst>
+                <a:ext uri="{FF2B5EF4-FFF2-40B4-BE49-F238E27FC236}">
+                  <a16:creationId xmlns:a16="http://schemas.microsoft.com/office/drawing/2014/main" id="{5B09E303-1AB3-0175-73B1-CA1A6D8A384D}"/>
+                </a:ext>
+              </a:extLst>
+            </p:cNvPr>
+            <p:cNvSpPr txBox="1"/>
+            <p:nvPr/>
+          </p:nvSpPr>
+          <p:spPr>
+            <a:xfrm rot="16200000">
+              <a:off x="-562929" y="932900"/>
+              <a:ext cx="1476228" cy="338554"/>
+            </a:xfrm>
+            <a:prstGeom prst="rect">
+              <a:avLst/>
+            </a:prstGeom>
+            <a:noFill/>
+          </p:spPr>
+          <p:txBody>
+            <a:bodyPr wrap="square" rtlCol="0">
+              <a:spAutoFit/>
+            </a:bodyPr>
+            <a:lstStyle/>
+            <a:p>
+              <a:pPr algn="ctr"/>
+              <a:r>
+                <a:rPr lang="en-US" sz="800" dirty="0">
+                  <a:latin typeface="Helvetica" pitchFamily="2" charset="0"/>
+                  <a:cs typeface="Times New Roman" panose="02020603050405020304" pitchFamily="18" charset="0"/>
+                </a:rPr>
+                <a:t>Cross validated node ages</a:t>
+              </a:r>
+            </a:p>
+            <a:p>
+              <a:pPr algn="ctr"/>
+              <a:r>
+                <a:rPr lang="en-US" sz="800" dirty="0">
+                  <a:latin typeface="Helvetica" pitchFamily="2" charset="0"/>
+                  <a:cs typeface="Times New Roman" panose="02020603050405020304" pitchFamily="18" charset="0"/>
+                </a:rPr>
+                <a:t>Time (Ma)</a:t>
+              </a:r>
+            </a:p>
+          </p:txBody>
+        </p:sp>
+      </p:grpSp>
+      <p:grpSp>
+        <p:nvGrpSpPr>
+          <p:cNvPr id="54" name="Group 53">
+            <a:extLst>
+              <a:ext uri="{FF2B5EF4-FFF2-40B4-BE49-F238E27FC236}">
+                <a16:creationId xmlns:a16="http://schemas.microsoft.com/office/drawing/2014/main" id="{7D87459D-6D5B-D8D6-FC73-B1428FCBD90E}"/>
+              </a:ext>
+            </a:extLst>
+          </p:cNvPr>
+          <p:cNvGrpSpPr/>
+          <p:nvPr/>
+        </p:nvGrpSpPr>
+        <p:grpSpPr>
+          <a:xfrm>
+            <a:off x="2258046" y="2548468"/>
+            <a:ext cx="2285643" cy="2049971"/>
+            <a:chOff x="5908" y="253997"/>
+            <a:chExt cx="2285643" cy="2049971"/>
+          </a:xfrm>
+        </p:grpSpPr>
+        <p:sp>
+          <p:nvSpPr>
+            <p:cNvPr id="55" name="TextBox 54">
+              <a:extLst>
+                <a:ext uri="{FF2B5EF4-FFF2-40B4-BE49-F238E27FC236}">
+                  <a16:creationId xmlns:a16="http://schemas.microsoft.com/office/drawing/2014/main" id="{170CB491-FCD5-A235-6DBB-E69E89993BF7}"/>
+                </a:ext>
+              </a:extLst>
+            </p:cNvPr>
+            <p:cNvSpPr txBox="1"/>
+            <p:nvPr/>
+          </p:nvSpPr>
+          <p:spPr>
+            <a:xfrm>
+              <a:off x="436929" y="1848756"/>
+              <a:ext cx="1854622" cy="215444"/>
+            </a:xfrm>
+            <a:prstGeom prst="rect">
+              <a:avLst/>
+            </a:prstGeom>
+            <a:solidFill>
+              <a:srgbClr val="FFFFFF"/>
+            </a:solidFill>
+          </p:spPr>
+          <p:txBody>
+            <a:bodyPr wrap="square" rtlCol="0">
+              <a:spAutoFit/>
+            </a:bodyPr>
+            <a:lstStyle/>
+            <a:p>
+              <a:pPr algn="ctr"/>
+              <a:r>
+                <a:rPr lang="en-US" sz="800" dirty="0">
+                  <a:latin typeface="Helvetica" pitchFamily="2" charset="0"/>
+                  <a:cs typeface="Times New Roman" panose="02020603050405020304" pitchFamily="18" charset="0"/>
+                </a:rPr>
+                <a:t>40       30         20        10         0</a:t>
+              </a:r>
+            </a:p>
+          </p:txBody>
+        </p:sp>
+        <p:sp>
+          <p:nvSpPr>
+            <p:cNvPr id="56" name="TextBox 55">
+              <a:extLst>
+                <a:ext uri="{FF2B5EF4-FFF2-40B4-BE49-F238E27FC236}">
+                  <a16:creationId xmlns:a16="http://schemas.microsoft.com/office/drawing/2014/main" id="{E4AAC1B8-00A7-C720-779A-FDFA14E4ADF9}"/>
+                </a:ext>
+              </a:extLst>
+            </p:cNvPr>
+            <p:cNvSpPr txBox="1"/>
+            <p:nvPr/>
+          </p:nvSpPr>
+          <p:spPr>
+            <a:xfrm rot="16200000">
+              <a:off x="-417480" y="925210"/>
+              <a:ext cx="1557869" cy="215444"/>
+            </a:xfrm>
+            <a:prstGeom prst="rect">
+              <a:avLst/>
+            </a:prstGeom>
+            <a:solidFill>
+              <a:srgbClr val="FFFFFF"/>
+            </a:solidFill>
+          </p:spPr>
+          <p:txBody>
+            <a:bodyPr wrap="square" rtlCol="0">
+              <a:spAutoFit/>
+            </a:bodyPr>
+            <a:lstStyle/>
+            <a:p>
+              <a:pPr algn="ctr"/>
+              <a:r>
+                <a:rPr lang="en-US" sz="800" dirty="0">
+                  <a:latin typeface="Helvetica" pitchFamily="2" charset="0"/>
+                  <a:cs typeface="Times New Roman" panose="02020603050405020304" pitchFamily="18" charset="0"/>
+                </a:rPr>
+                <a:t>40      30       20      10        0</a:t>
+              </a:r>
+            </a:p>
+          </p:txBody>
+        </p:sp>
+        <p:sp>
+          <p:nvSpPr>
+            <p:cNvPr id="57" name="TextBox 56">
+              <a:extLst>
+                <a:ext uri="{FF2B5EF4-FFF2-40B4-BE49-F238E27FC236}">
+                  <a16:creationId xmlns:a16="http://schemas.microsoft.com/office/drawing/2014/main" id="{9F4B7444-DBEB-9E85-B871-1354BF15F253}"/>
+                </a:ext>
+              </a:extLst>
+            </p:cNvPr>
+            <p:cNvSpPr txBox="1"/>
+            <p:nvPr/>
+          </p:nvSpPr>
+          <p:spPr>
+            <a:xfrm>
+              <a:off x="447541" y="1965414"/>
+              <a:ext cx="1660659" cy="338554"/>
+            </a:xfrm>
+            <a:prstGeom prst="rect">
+              <a:avLst/>
+            </a:prstGeom>
+            <a:noFill/>
+          </p:spPr>
+          <p:txBody>
+            <a:bodyPr wrap="square" rtlCol="0">
+              <a:spAutoFit/>
+            </a:bodyPr>
+            <a:lstStyle/>
+            <a:p>
+              <a:pPr algn="ctr"/>
+              <a:r>
+                <a:rPr lang="en-US" sz="800" dirty="0">
+                  <a:latin typeface="Helvetica" pitchFamily="2" charset="0"/>
+                  <a:cs typeface="Times New Roman" panose="02020603050405020304" pitchFamily="18" charset="0"/>
+                </a:rPr>
+                <a:t>Original node ages</a:t>
+              </a:r>
+            </a:p>
+            <a:p>
+              <a:pPr algn="ctr"/>
+              <a:r>
+                <a:rPr lang="en-US" sz="800" dirty="0">
+                  <a:latin typeface="Helvetica" pitchFamily="2" charset="0"/>
+                  <a:cs typeface="Times New Roman" panose="02020603050405020304" pitchFamily="18" charset="0"/>
+                </a:rPr>
+                <a:t>Time (Ma)</a:t>
+              </a:r>
+            </a:p>
+          </p:txBody>
+        </p:sp>
+        <p:sp>
+          <p:nvSpPr>
+            <p:cNvPr id="58" name="TextBox 57">
+              <a:extLst>
+                <a:ext uri="{FF2B5EF4-FFF2-40B4-BE49-F238E27FC236}">
+                  <a16:creationId xmlns:a16="http://schemas.microsoft.com/office/drawing/2014/main" id="{4381950C-65E1-F81C-FE78-C721378B37B0}"/>
+                </a:ext>
+              </a:extLst>
+            </p:cNvPr>
+            <p:cNvSpPr txBox="1"/>
+            <p:nvPr/>
+          </p:nvSpPr>
+          <p:spPr>
+            <a:xfrm rot="16200000">
+              <a:off x="-562929" y="932900"/>
+              <a:ext cx="1476228" cy="338554"/>
+            </a:xfrm>
+            <a:prstGeom prst="rect">
+              <a:avLst/>
+            </a:prstGeom>
+            <a:noFill/>
+          </p:spPr>
+          <p:txBody>
+            <a:bodyPr wrap="square" rtlCol="0">
+              <a:spAutoFit/>
+            </a:bodyPr>
+            <a:lstStyle/>
+            <a:p>
+              <a:pPr algn="ctr"/>
+              <a:r>
+                <a:rPr lang="en-US" sz="800" dirty="0">
+                  <a:latin typeface="Helvetica" pitchFamily="2" charset="0"/>
+                  <a:cs typeface="Times New Roman" panose="02020603050405020304" pitchFamily="18" charset="0"/>
+                </a:rPr>
+                <a:t>Cross validated node ages</a:t>
+              </a:r>
+            </a:p>
+            <a:p>
+              <a:pPr algn="ctr"/>
+              <a:r>
+                <a:rPr lang="en-US" sz="800" dirty="0">
+                  <a:latin typeface="Helvetica" pitchFamily="2" charset="0"/>
+                  <a:cs typeface="Times New Roman" panose="02020603050405020304" pitchFamily="18" charset="0"/>
+                </a:rPr>
+                <a:t>Time (Ma)</a:t>
+              </a:r>
+            </a:p>
+          </p:txBody>
+        </p:sp>
+      </p:grpSp>
+      <p:grpSp>
+        <p:nvGrpSpPr>
+          <p:cNvPr id="59" name="Group 58">
+            <a:extLst>
+              <a:ext uri="{FF2B5EF4-FFF2-40B4-BE49-F238E27FC236}">
+                <a16:creationId xmlns:a16="http://schemas.microsoft.com/office/drawing/2014/main" id="{C8BE15DC-9A97-9D94-3294-51AE63A1ABD5}"/>
+              </a:ext>
+            </a:extLst>
+          </p:cNvPr>
+          <p:cNvGrpSpPr/>
+          <p:nvPr/>
+        </p:nvGrpSpPr>
+        <p:grpSpPr>
+          <a:xfrm>
+            <a:off x="-11028" y="2548470"/>
+            <a:ext cx="2285643" cy="2049971"/>
+            <a:chOff x="5908" y="253997"/>
+            <a:chExt cx="2285643" cy="2049971"/>
+          </a:xfrm>
+        </p:grpSpPr>
+        <p:sp>
+          <p:nvSpPr>
+            <p:cNvPr id="60" name="TextBox 59">
+              <a:extLst>
+                <a:ext uri="{FF2B5EF4-FFF2-40B4-BE49-F238E27FC236}">
+                  <a16:creationId xmlns:a16="http://schemas.microsoft.com/office/drawing/2014/main" id="{E15CD5CD-07F0-D0A9-4F60-AB21DE18F03F}"/>
+                </a:ext>
+              </a:extLst>
+            </p:cNvPr>
+            <p:cNvSpPr txBox="1"/>
+            <p:nvPr/>
+          </p:nvSpPr>
+          <p:spPr>
+            <a:xfrm>
+              <a:off x="436929" y="1848756"/>
+              <a:ext cx="1854622" cy="215444"/>
+            </a:xfrm>
+            <a:prstGeom prst="rect">
+              <a:avLst/>
+            </a:prstGeom>
+            <a:solidFill>
+              <a:srgbClr val="FFFFFF"/>
+            </a:solidFill>
+          </p:spPr>
+          <p:txBody>
+            <a:bodyPr wrap="square" rtlCol="0">
+              <a:spAutoFit/>
+            </a:bodyPr>
+            <a:lstStyle/>
+            <a:p>
+              <a:pPr algn="ctr"/>
+              <a:r>
+                <a:rPr lang="en-US" sz="800" dirty="0">
+                  <a:latin typeface="Helvetica" pitchFamily="2" charset="0"/>
+                  <a:cs typeface="Times New Roman" panose="02020603050405020304" pitchFamily="18" charset="0"/>
+                </a:rPr>
+                <a:t>40       30         20        10         0</a:t>
+              </a:r>
+            </a:p>
+          </p:txBody>
+        </p:sp>
+        <p:sp>
+          <p:nvSpPr>
+            <p:cNvPr id="61" name="TextBox 60">
+              <a:extLst>
+                <a:ext uri="{FF2B5EF4-FFF2-40B4-BE49-F238E27FC236}">
+                  <a16:creationId xmlns:a16="http://schemas.microsoft.com/office/drawing/2014/main" id="{5B615E52-ADEA-FB77-9CEB-13922EFFD851}"/>
+                </a:ext>
+              </a:extLst>
+            </p:cNvPr>
+            <p:cNvSpPr txBox="1"/>
+            <p:nvPr/>
+          </p:nvSpPr>
+          <p:spPr>
+            <a:xfrm rot="16200000">
+              <a:off x="-417480" y="925210"/>
+              <a:ext cx="1557869" cy="215444"/>
+            </a:xfrm>
+            <a:prstGeom prst="rect">
+              <a:avLst/>
+            </a:prstGeom>
+            <a:solidFill>
+              <a:srgbClr val="FFFFFF"/>
+            </a:solidFill>
+          </p:spPr>
+          <p:txBody>
+            <a:bodyPr wrap="square" rtlCol="0">
+              <a:spAutoFit/>
+            </a:bodyPr>
+            <a:lstStyle/>
+            <a:p>
+              <a:pPr algn="ctr"/>
+              <a:r>
+                <a:rPr lang="en-US" sz="800" dirty="0">
+                  <a:latin typeface="Helvetica" pitchFamily="2" charset="0"/>
+                  <a:cs typeface="Times New Roman" panose="02020603050405020304" pitchFamily="18" charset="0"/>
+                </a:rPr>
+                <a:t>40      30       20      10        0</a:t>
+              </a:r>
+            </a:p>
+          </p:txBody>
+        </p:sp>
+        <p:sp>
+          <p:nvSpPr>
+            <p:cNvPr id="62" name="TextBox 61">
+              <a:extLst>
+                <a:ext uri="{FF2B5EF4-FFF2-40B4-BE49-F238E27FC236}">
+                  <a16:creationId xmlns:a16="http://schemas.microsoft.com/office/drawing/2014/main" id="{FE3DF333-A1D0-1A9B-5507-C815D0F2CFFF}"/>
+                </a:ext>
+              </a:extLst>
+            </p:cNvPr>
+            <p:cNvSpPr txBox="1"/>
+            <p:nvPr/>
+          </p:nvSpPr>
+          <p:spPr>
+            <a:xfrm>
+              <a:off x="447541" y="1965414"/>
+              <a:ext cx="1660659" cy="338554"/>
+            </a:xfrm>
+            <a:prstGeom prst="rect">
+              <a:avLst/>
+            </a:prstGeom>
+            <a:noFill/>
+          </p:spPr>
+          <p:txBody>
+            <a:bodyPr wrap="square" rtlCol="0">
+              <a:spAutoFit/>
+            </a:bodyPr>
+            <a:lstStyle/>
+            <a:p>
+              <a:pPr algn="ctr"/>
+              <a:r>
+                <a:rPr lang="en-US" sz="800" dirty="0">
+                  <a:latin typeface="Helvetica" pitchFamily="2" charset="0"/>
+                  <a:cs typeface="Times New Roman" panose="02020603050405020304" pitchFamily="18" charset="0"/>
+                </a:rPr>
+                <a:t>Original node ages</a:t>
+              </a:r>
+            </a:p>
+            <a:p>
+              <a:pPr algn="ctr"/>
+              <a:r>
+                <a:rPr lang="en-US" sz="800" dirty="0">
+                  <a:latin typeface="Helvetica" pitchFamily="2" charset="0"/>
+                  <a:cs typeface="Times New Roman" panose="02020603050405020304" pitchFamily="18" charset="0"/>
+                </a:rPr>
+                <a:t>Time (Ma)</a:t>
+              </a:r>
+            </a:p>
+          </p:txBody>
+        </p:sp>
+        <p:sp>
+          <p:nvSpPr>
+            <p:cNvPr id="63" name="TextBox 62">
+              <a:extLst>
+                <a:ext uri="{FF2B5EF4-FFF2-40B4-BE49-F238E27FC236}">
+                  <a16:creationId xmlns:a16="http://schemas.microsoft.com/office/drawing/2014/main" id="{6CA60B39-D457-B2DB-B5A9-8EA37E9D5244}"/>
+                </a:ext>
+              </a:extLst>
+            </p:cNvPr>
+            <p:cNvSpPr txBox="1"/>
+            <p:nvPr/>
+          </p:nvSpPr>
+          <p:spPr>
+            <a:xfrm rot="16200000">
+              <a:off x="-562929" y="932900"/>
+              <a:ext cx="1476228" cy="338554"/>
+            </a:xfrm>
+            <a:prstGeom prst="rect">
+              <a:avLst/>
+            </a:prstGeom>
+            <a:noFill/>
+          </p:spPr>
+          <p:txBody>
+            <a:bodyPr wrap="square" rtlCol="0">
+              <a:spAutoFit/>
+            </a:bodyPr>
+            <a:lstStyle/>
+            <a:p>
+              <a:pPr algn="ctr"/>
+              <a:r>
+                <a:rPr lang="en-US" sz="800" dirty="0">
+                  <a:latin typeface="Helvetica" pitchFamily="2" charset="0"/>
+                  <a:cs typeface="Times New Roman" panose="02020603050405020304" pitchFamily="18" charset="0"/>
+                </a:rPr>
+                <a:t>Cross validated node ages</a:t>
+              </a:r>
+            </a:p>
+            <a:p>
+              <a:pPr algn="ctr"/>
+              <a:r>
+                <a:rPr lang="en-US" sz="800" dirty="0">
+                  <a:latin typeface="Helvetica" pitchFamily="2" charset="0"/>
+                  <a:cs typeface="Times New Roman" panose="02020603050405020304" pitchFamily="18" charset="0"/>
+                </a:rPr>
+                <a:t>Time (Ma)</a:t>
+              </a:r>
+            </a:p>
+          </p:txBody>
+        </p:sp>
+      </p:grpSp>
+      <p:grpSp>
+        <p:nvGrpSpPr>
+          <p:cNvPr id="64" name="Group 63">
+            <a:extLst>
+              <a:ext uri="{FF2B5EF4-FFF2-40B4-BE49-F238E27FC236}">
+                <a16:creationId xmlns:a16="http://schemas.microsoft.com/office/drawing/2014/main" id="{D93B7CB4-E905-12F9-3D45-CAAB17D79844}"/>
+              </a:ext>
+            </a:extLst>
+          </p:cNvPr>
+          <p:cNvGrpSpPr/>
+          <p:nvPr/>
+        </p:nvGrpSpPr>
+        <p:grpSpPr>
+          <a:xfrm>
+            <a:off x="4545832" y="4826899"/>
+            <a:ext cx="2285643" cy="2049971"/>
+            <a:chOff x="5908" y="253997"/>
+            <a:chExt cx="2285643" cy="2049971"/>
+          </a:xfrm>
+        </p:grpSpPr>
+        <p:sp>
+          <p:nvSpPr>
+            <p:cNvPr id="65" name="TextBox 64">
+              <a:extLst>
+                <a:ext uri="{FF2B5EF4-FFF2-40B4-BE49-F238E27FC236}">
+                  <a16:creationId xmlns:a16="http://schemas.microsoft.com/office/drawing/2014/main" id="{21D101A6-5D84-EAAB-70B7-2CF00E669AB2}"/>
+                </a:ext>
+              </a:extLst>
+            </p:cNvPr>
+            <p:cNvSpPr txBox="1"/>
+            <p:nvPr/>
+          </p:nvSpPr>
+          <p:spPr>
+            <a:xfrm>
+              <a:off x="436929" y="1848756"/>
+              <a:ext cx="1854622" cy="215444"/>
+            </a:xfrm>
+            <a:prstGeom prst="rect">
+              <a:avLst/>
+            </a:prstGeom>
+            <a:solidFill>
+              <a:srgbClr val="FFFFFF"/>
+            </a:solidFill>
+          </p:spPr>
+          <p:txBody>
+            <a:bodyPr wrap="square" rtlCol="0">
+              <a:spAutoFit/>
+            </a:bodyPr>
+            <a:lstStyle/>
+            <a:p>
+              <a:pPr algn="ctr"/>
+              <a:r>
+                <a:rPr lang="en-US" sz="800" dirty="0">
+                  <a:latin typeface="Helvetica" pitchFamily="2" charset="0"/>
+                  <a:cs typeface="Times New Roman" panose="02020603050405020304" pitchFamily="18" charset="0"/>
+                </a:rPr>
+                <a:t>40       30         20        10         0</a:t>
+              </a:r>
+            </a:p>
+          </p:txBody>
+        </p:sp>
+        <p:sp>
+          <p:nvSpPr>
+            <p:cNvPr id="66" name="TextBox 65">
+              <a:extLst>
+                <a:ext uri="{FF2B5EF4-FFF2-40B4-BE49-F238E27FC236}">
+                  <a16:creationId xmlns:a16="http://schemas.microsoft.com/office/drawing/2014/main" id="{C278D706-D8F7-9F3B-1F54-A119BF76B5A4}"/>
+                </a:ext>
+              </a:extLst>
+            </p:cNvPr>
+            <p:cNvSpPr txBox="1"/>
+            <p:nvPr/>
+          </p:nvSpPr>
+          <p:spPr>
+            <a:xfrm rot="16200000">
+              <a:off x="-417480" y="925210"/>
+              <a:ext cx="1557869" cy="215444"/>
+            </a:xfrm>
+            <a:prstGeom prst="rect">
+              <a:avLst/>
+            </a:prstGeom>
+            <a:solidFill>
+              <a:srgbClr val="FFFFFF"/>
+            </a:solidFill>
+          </p:spPr>
+          <p:txBody>
+            <a:bodyPr wrap="square" rtlCol="0">
+              <a:spAutoFit/>
+            </a:bodyPr>
+            <a:lstStyle/>
+            <a:p>
+              <a:pPr algn="ctr"/>
+              <a:r>
+                <a:rPr lang="en-US" sz="800" dirty="0">
+                  <a:latin typeface="Helvetica" pitchFamily="2" charset="0"/>
+                  <a:cs typeface="Times New Roman" panose="02020603050405020304" pitchFamily="18" charset="0"/>
+                </a:rPr>
+                <a:t>40      30       20      10        0</a:t>
+              </a:r>
+            </a:p>
+          </p:txBody>
+        </p:sp>
+        <p:sp>
+          <p:nvSpPr>
+            <p:cNvPr id="67" name="TextBox 66">
+              <a:extLst>
+                <a:ext uri="{FF2B5EF4-FFF2-40B4-BE49-F238E27FC236}">
+                  <a16:creationId xmlns:a16="http://schemas.microsoft.com/office/drawing/2014/main" id="{BFDBBFED-0980-DE21-FB67-2E7686A3AF33}"/>
+                </a:ext>
+              </a:extLst>
+            </p:cNvPr>
+            <p:cNvSpPr txBox="1"/>
+            <p:nvPr/>
+          </p:nvSpPr>
+          <p:spPr>
+            <a:xfrm>
+              <a:off x="447541" y="1965414"/>
+              <a:ext cx="1660659" cy="338554"/>
+            </a:xfrm>
+            <a:prstGeom prst="rect">
+              <a:avLst/>
+            </a:prstGeom>
+            <a:noFill/>
+          </p:spPr>
+          <p:txBody>
+            <a:bodyPr wrap="square" rtlCol="0">
+              <a:spAutoFit/>
+            </a:bodyPr>
+            <a:lstStyle/>
+            <a:p>
+              <a:pPr algn="ctr"/>
+              <a:r>
+                <a:rPr lang="en-US" sz="800" dirty="0">
+                  <a:latin typeface="Helvetica" pitchFamily="2" charset="0"/>
+                  <a:cs typeface="Times New Roman" panose="02020603050405020304" pitchFamily="18" charset="0"/>
+                </a:rPr>
+                <a:t>Original node ages</a:t>
+              </a:r>
+            </a:p>
+            <a:p>
+              <a:pPr algn="ctr"/>
+              <a:r>
+                <a:rPr lang="en-US" sz="800" dirty="0">
+                  <a:latin typeface="Helvetica" pitchFamily="2" charset="0"/>
+                  <a:cs typeface="Times New Roman" panose="02020603050405020304" pitchFamily="18" charset="0"/>
+                </a:rPr>
+                <a:t>Time (Ma)</a:t>
+              </a:r>
+            </a:p>
+          </p:txBody>
+        </p:sp>
+        <p:sp>
+          <p:nvSpPr>
+            <p:cNvPr id="68" name="TextBox 67">
+              <a:extLst>
+                <a:ext uri="{FF2B5EF4-FFF2-40B4-BE49-F238E27FC236}">
+                  <a16:creationId xmlns:a16="http://schemas.microsoft.com/office/drawing/2014/main" id="{D69C634B-DE5F-FC82-DA3E-7DD5BCA7C5FB}"/>
+                </a:ext>
+              </a:extLst>
+            </p:cNvPr>
+            <p:cNvSpPr txBox="1"/>
+            <p:nvPr/>
+          </p:nvSpPr>
+          <p:spPr>
+            <a:xfrm rot="16200000">
+              <a:off x="-562929" y="932900"/>
+              <a:ext cx="1476228" cy="338554"/>
+            </a:xfrm>
+            <a:prstGeom prst="rect">
+              <a:avLst/>
+            </a:prstGeom>
+            <a:noFill/>
+          </p:spPr>
+          <p:txBody>
+            <a:bodyPr wrap="square" rtlCol="0">
+              <a:spAutoFit/>
+            </a:bodyPr>
+            <a:lstStyle/>
+            <a:p>
+              <a:pPr algn="ctr"/>
+              <a:r>
+                <a:rPr lang="en-US" sz="800" dirty="0">
+                  <a:latin typeface="Helvetica" pitchFamily="2" charset="0"/>
+                  <a:cs typeface="Times New Roman" panose="02020603050405020304" pitchFamily="18" charset="0"/>
+                </a:rPr>
+                <a:t>Cross validated node ages</a:t>
+              </a:r>
+            </a:p>
+            <a:p>
+              <a:pPr algn="ctr"/>
+              <a:r>
+                <a:rPr lang="en-US" sz="800" dirty="0">
+                  <a:latin typeface="Helvetica" pitchFamily="2" charset="0"/>
+                  <a:cs typeface="Times New Roman" panose="02020603050405020304" pitchFamily="18" charset="0"/>
+                </a:rPr>
+                <a:t>Time (Ma)</a:t>
+              </a:r>
+            </a:p>
+          </p:txBody>
+        </p:sp>
+      </p:grpSp>
+      <p:grpSp>
+        <p:nvGrpSpPr>
+          <p:cNvPr id="69" name="Group 68">
+            <a:extLst>
+              <a:ext uri="{FF2B5EF4-FFF2-40B4-BE49-F238E27FC236}">
+                <a16:creationId xmlns:a16="http://schemas.microsoft.com/office/drawing/2014/main" id="{34BA5178-FCE1-1930-C555-2FFBD3665683}"/>
+              </a:ext>
+            </a:extLst>
+          </p:cNvPr>
+          <p:cNvGrpSpPr/>
+          <p:nvPr/>
+        </p:nvGrpSpPr>
+        <p:grpSpPr>
+          <a:xfrm>
+            <a:off x="2274978" y="4842941"/>
+            <a:ext cx="2285643" cy="2049971"/>
+            <a:chOff x="5908" y="253997"/>
+            <a:chExt cx="2285643" cy="2049971"/>
+          </a:xfrm>
+        </p:grpSpPr>
+        <p:sp>
+          <p:nvSpPr>
+            <p:cNvPr id="70" name="TextBox 69">
+              <a:extLst>
+                <a:ext uri="{FF2B5EF4-FFF2-40B4-BE49-F238E27FC236}">
+                  <a16:creationId xmlns:a16="http://schemas.microsoft.com/office/drawing/2014/main" id="{74B30677-9151-5390-E4E0-9AC90CBE95A7}"/>
+                </a:ext>
+              </a:extLst>
+            </p:cNvPr>
+            <p:cNvSpPr txBox="1"/>
+            <p:nvPr/>
+          </p:nvSpPr>
+          <p:spPr>
+            <a:xfrm>
+              <a:off x="436929" y="1848756"/>
+              <a:ext cx="1854622" cy="215444"/>
+            </a:xfrm>
+            <a:prstGeom prst="rect">
+              <a:avLst/>
+            </a:prstGeom>
+            <a:solidFill>
+              <a:srgbClr val="FFFFFF"/>
+            </a:solidFill>
+          </p:spPr>
+          <p:txBody>
+            <a:bodyPr wrap="square" rtlCol="0">
+              <a:spAutoFit/>
+            </a:bodyPr>
+            <a:lstStyle/>
+            <a:p>
+              <a:pPr algn="ctr"/>
+              <a:r>
+                <a:rPr lang="en-US" sz="800" dirty="0">
+                  <a:latin typeface="Helvetica" pitchFamily="2" charset="0"/>
+                  <a:cs typeface="Times New Roman" panose="02020603050405020304" pitchFamily="18" charset="0"/>
+                </a:rPr>
+                <a:t>40       30         20        10         0</a:t>
+              </a:r>
+            </a:p>
+          </p:txBody>
+        </p:sp>
+        <p:sp>
+          <p:nvSpPr>
+            <p:cNvPr id="71" name="TextBox 70">
+              <a:extLst>
+                <a:ext uri="{FF2B5EF4-FFF2-40B4-BE49-F238E27FC236}">
+                  <a16:creationId xmlns:a16="http://schemas.microsoft.com/office/drawing/2014/main" id="{7348471A-2C9D-E304-BCDC-2598085A40FF}"/>
+                </a:ext>
+              </a:extLst>
+            </p:cNvPr>
+            <p:cNvSpPr txBox="1"/>
+            <p:nvPr/>
+          </p:nvSpPr>
+          <p:spPr>
+            <a:xfrm rot="16200000">
+              <a:off x="-417480" y="925210"/>
+              <a:ext cx="1557869" cy="215444"/>
+            </a:xfrm>
+            <a:prstGeom prst="rect">
+              <a:avLst/>
+            </a:prstGeom>
+            <a:solidFill>
+              <a:srgbClr val="FFFFFF"/>
+            </a:solidFill>
+          </p:spPr>
+          <p:txBody>
+            <a:bodyPr wrap="square" rtlCol="0">
+              <a:spAutoFit/>
+            </a:bodyPr>
+            <a:lstStyle/>
+            <a:p>
+              <a:pPr algn="ctr"/>
+              <a:r>
+                <a:rPr lang="en-US" sz="800" dirty="0">
+                  <a:latin typeface="Helvetica" pitchFamily="2" charset="0"/>
+                  <a:cs typeface="Times New Roman" panose="02020603050405020304" pitchFamily="18" charset="0"/>
+                </a:rPr>
+                <a:t>40      30       20      10        0</a:t>
+              </a:r>
+            </a:p>
+          </p:txBody>
+        </p:sp>
+        <p:sp>
+          <p:nvSpPr>
+            <p:cNvPr id="72" name="TextBox 71">
+              <a:extLst>
+                <a:ext uri="{FF2B5EF4-FFF2-40B4-BE49-F238E27FC236}">
+                  <a16:creationId xmlns:a16="http://schemas.microsoft.com/office/drawing/2014/main" id="{67A6D8D3-5DAC-BEDB-75D3-E7B3C6F40979}"/>
+                </a:ext>
+              </a:extLst>
+            </p:cNvPr>
+            <p:cNvSpPr txBox="1"/>
+            <p:nvPr/>
+          </p:nvSpPr>
+          <p:spPr>
+            <a:xfrm>
+              <a:off x="447541" y="1965414"/>
+              <a:ext cx="1660659" cy="338554"/>
+            </a:xfrm>
+            <a:prstGeom prst="rect">
+              <a:avLst/>
+            </a:prstGeom>
+            <a:noFill/>
+          </p:spPr>
+          <p:txBody>
+            <a:bodyPr wrap="square" rtlCol="0">
+              <a:spAutoFit/>
+            </a:bodyPr>
+            <a:lstStyle/>
+            <a:p>
+              <a:pPr algn="ctr"/>
+              <a:r>
+                <a:rPr lang="en-US" sz="800" dirty="0">
+                  <a:latin typeface="Helvetica" pitchFamily="2" charset="0"/>
+                  <a:cs typeface="Times New Roman" panose="02020603050405020304" pitchFamily="18" charset="0"/>
+                </a:rPr>
+                <a:t>Original node ages</a:t>
+              </a:r>
+            </a:p>
+            <a:p>
+              <a:pPr algn="ctr"/>
+              <a:r>
+                <a:rPr lang="en-US" sz="800" dirty="0">
+                  <a:latin typeface="Helvetica" pitchFamily="2" charset="0"/>
+                  <a:cs typeface="Times New Roman" panose="02020603050405020304" pitchFamily="18" charset="0"/>
+                </a:rPr>
+                <a:t>Time (Ma)</a:t>
+              </a:r>
+            </a:p>
+          </p:txBody>
+        </p:sp>
+        <p:sp>
+          <p:nvSpPr>
+            <p:cNvPr id="73" name="TextBox 72">
+              <a:extLst>
+                <a:ext uri="{FF2B5EF4-FFF2-40B4-BE49-F238E27FC236}">
+                  <a16:creationId xmlns:a16="http://schemas.microsoft.com/office/drawing/2014/main" id="{FF7D927E-8D1A-E8BA-2B28-60AF6F259C67}"/>
+                </a:ext>
+              </a:extLst>
+            </p:cNvPr>
+            <p:cNvSpPr txBox="1"/>
+            <p:nvPr/>
+          </p:nvSpPr>
+          <p:spPr>
+            <a:xfrm rot="16200000">
+              <a:off x="-562929" y="932900"/>
+              <a:ext cx="1476228" cy="338554"/>
+            </a:xfrm>
+            <a:prstGeom prst="rect">
+              <a:avLst/>
+            </a:prstGeom>
+            <a:noFill/>
+          </p:spPr>
+          <p:txBody>
+            <a:bodyPr wrap="square" rtlCol="0">
+              <a:spAutoFit/>
+            </a:bodyPr>
+            <a:lstStyle/>
+            <a:p>
+              <a:pPr algn="ctr"/>
+              <a:r>
+                <a:rPr lang="en-US" sz="800" dirty="0">
+                  <a:latin typeface="Helvetica" pitchFamily="2" charset="0"/>
+                  <a:cs typeface="Times New Roman" panose="02020603050405020304" pitchFamily="18" charset="0"/>
+                </a:rPr>
+                <a:t>Cross validated node ages</a:t>
+              </a:r>
+            </a:p>
+            <a:p>
+              <a:pPr algn="ctr"/>
+              <a:r>
+                <a:rPr lang="en-US" sz="800" dirty="0">
+                  <a:latin typeface="Helvetica" pitchFamily="2" charset="0"/>
+                  <a:cs typeface="Times New Roman" panose="02020603050405020304" pitchFamily="18" charset="0"/>
+                </a:rPr>
+                <a:t>Time (Ma)</a:t>
+              </a:r>
+            </a:p>
+          </p:txBody>
+        </p:sp>
+      </p:grpSp>
+      <p:grpSp>
+        <p:nvGrpSpPr>
+          <p:cNvPr id="74" name="Group 73">
+            <a:extLst>
+              <a:ext uri="{FF2B5EF4-FFF2-40B4-BE49-F238E27FC236}">
+                <a16:creationId xmlns:a16="http://schemas.microsoft.com/office/drawing/2014/main" id="{7E13B3F6-5CB1-0835-81E4-E4C7CBB9672E}"/>
+              </a:ext>
+            </a:extLst>
+          </p:cNvPr>
+          <p:cNvGrpSpPr/>
+          <p:nvPr/>
+        </p:nvGrpSpPr>
+        <p:grpSpPr>
+          <a:xfrm>
+            <a:off x="5904" y="4842943"/>
+            <a:ext cx="2285643" cy="2049971"/>
+            <a:chOff x="5908" y="253997"/>
+            <a:chExt cx="2285643" cy="2049971"/>
+          </a:xfrm>
+        </p:grpSpPr>
+        <p:sp>
+          <p:nvSpPr>
+            <p:cNvPr id="75" name="TextBox 74">
+              <a:extLst>
+                <a:ext uri="{FF2B5EF4-FFF2-40B4-BE49-F238E27FC236}">
+                  <a16:creationId xmlns:a16="http://schemas.microsoft.com/office/drawing/2014/main" id="{FD894CB9-8BDB-B773-5673-A1C12B6B56EF}"/>
+                </a:ext>
+              </a:extLst>
+            </p:cNvPr>
+            <p:cNvSpPr txBox="1"/>
+            <p:nvPr/>
+          </p:nvSpPr>
+          <p:spPr>
+            <a:xfrm>
+              <a:off x="436929" y="1848756"/>
+              <a:ext cx="1854622" cy="215444"/>
+            </a:xfrm>
+            <a:prstGeom prst="rect">
+              <a:avLst/>
+            </a:prstGeom>
+            <a:solidFill>
+              <a:srgbClr val="FFFFFF"/>
+            </a:solidFill>
+          </p:spPr>
+          <p:txBody>
+            <a:bodyPr wrap="square" rtlCol="0">
+              <a:spAutoFit/>
+            </a:bodyPr>
+            <a:lstStyle/>
+            <a:p>
+              <a:pPr algn="ctr"/>
+              <a:r>
+                <a:rPr lang="en-US" sz="800" dirty="0">
+                  <a:latin typeface="Helvetica" pitchFamily="2" charset="0"/>
+                  <a:cs typeface="Times New Roman" panose="02020603050405020304" pitchFamily="18" charset="0"/>
+                </a:rPr>
+                <a:t>40       30         20        10         0</a:t>
+              </a:r>
+            </a:p>
+          </p:txBody>
+        </p:sp>
+        <p:sp>
+          <p:nvSpPr>
+            <p:cNvPr id="76" name="TextBox 75">
+              <a:extLst>
+                <a:ext uri="{FF2B5EF4-FFF2-40B4-BE49-F238E27FC236}">
+                  <a16:creationId xmlns:a16="http://schemas.microsoft.com/office/drawing/2014/main" id="{0C0DFA50-6F09-0B34-DFF0-02980839E63E}"/>
+                </a:ext>
+              </a:extLst>
+            </p:cNvPr>
+            <p:cNvSpPr txBox="1"/>
+            <p:nvPr/>
+          </p:nvSpPr>
+          <p:spPr>
+            <a:xfrm rot="16200000">
+              <a:off x="-417480" y="925210"/>
+              <a:ext cx="1557869" cy="215444"/>
+            </a:xfrm>
+            <a:prstGeom prst="rect">
+              <a:avLst/>
+            </a:prstGeom>
+            <a:solidFill>
+              <a:srgbClr val="FFFFFF"/>
+            </a:solidFill>
+          </p:spPr>
+          <p:txBody>
+            <a:bodyPr wrap="square" rtlCol="0">
+              <a:spAutoFit/>
+            </a:bodyPr>
+            <a:lstStyle/>
+            <a:p>
+              <a:pPr algn="ctr"/>
+              <a:r>
+                <a:rPr lang="en-US" sz="800" dirty="0">
+                  <a:latin typeface="Helvetica" pitchFamily="2" charset="0"/>
+                  <a:cs typeface="Times New Roman" panose="02020603050405020304" pitchFamily="18" charset="0"/>
+                </a:rPr>
+                <a:t>40      30       20      10        0</a:t>
+              </a:r>
+            </a:p>
+          </p:txBody>
+        </p:sp>
+        <p:sp>
+          <p:nvSpPr>
+            <p:cNvPr id="77" name="TextBox 76">
+              <a:extLst>
+                <a:ext uri="{FF2B5EF4-FFF2-40B4-BE49-F238E27FC236}">
+                  <a16:creationId xmlns:a16="http://schemas.microsoft.com/office/drawing/2014/main" id="{713EBFF5-ED60-69C9-A00A-060D70727DB5}"/>
+                </a:ext>
+              </a:extLst>
+            </p:cNvPr>
+            <p:cNvSpPr txBox="1"/>
+            <p:nvPr/>
+          </p:nvSpPr>
+          <p:spPr>
+            <a:xfrm>
+              <a:off x="447541" y="1965414"/>
+              <a:ext cx="1660659" cy="338554"/>
+            </a:xfrm>
+            <a:prstGeom prst="rect">
+              <a:avLst/>
+            </a:prstGeom>
+            <a:noFill/>
+          </p:spPr>
+          <p:txBody>
+            <a:bodyPr wrap="square" rtlCol="0">
+              <a:spAutoFit/>
+            </a:bodyPr>
+            <a:lstStyle/>
+            <a:p>
+              <a:pPr algn="ctr"/>
+              <a:r>
+                <a:rPr lang="en-US" sz="800" dirty="0">
+                  <a:latin typeface="Helvetica" pitchFamily="2" charset="0"/>
+                  <a:cs typeface="Times New Roman" panose="02020603050405020304" pitchFamily="18" charset="0"/>
+                </a:rPr>
+                <a:t>Original node ages</a:t>
+              </a:r>
+            </a:p>
+            <a:p>
+              <a:pPr algn="ctr"/>
+              <a:r>
+                <a:rPr lang="en-US" sz="800" dirty="0">
+                  <a:latin typeface="Helvetica" pitchFamily="2" charset="0"/>
+                  <a:cs typeface="Times New Roman" panose="02020603050405020304" pitchFamily="18" charset="0"/>
+                </a:rPr>
+                <a:t>Time (Ma)</a:t>
+              </a:r>
+            </a:p>
+          </p:txBody>
+        </p:sp>
+        <p:sp>
+          <p:nvSpPr>
+            <p:cNvPr id="78" name="TextBox 77">
+              <a:extLst>
+                <a:ext uri="{FF2B5EF4-FFF2-40B4-BE49-F238E27FC236}">
+                  <a16:creationId xmlns:a16="http://schemas.microsoft.com/office/drawing/2014/main" id="{3D3C137A-0E51-6AE3-A358-935610F134ED}"/>
+                </a:ext>
+              </a:extLst>
+            </p:cNvPr>
+            <p:cNvSpPr txBox="1"/>
+            <p:nvPr/>
+          </p:nvSpPr>
+          <p:spPr>
+            <a:xfrm rot="16200000">
+              <a:off x="-562929" y="932900"/>
+              <a:ext cx="1476228" cy="338554"/>
+            </a:xfrm>
+            <a:prstGeom prst="rect">
+              <a:avLst/>
+            </a:prstGeom>
+            <a:noFill/>
+          </p:spPr>
+          <p:txBody>
+            <a:bodyPr wrap="square" rtlCol="0">
+              <a:spAutoFit/>
+            </a:bodyPr>
+            <a:lstStyle/>
+            <a:p>
+              <a:pPr algn="ctr"/>
+              <a:r>
+                <a:rPr lang="en-US" sz="800" dirty="0">
+                  <a:latin typeface="Helvetica" pitchFamily="2" charset="0"/>
+                  <a:cs typeface="Times New Roman" panose="02020603050405020304" pitchFamily="18" charset="0"/>
+                </a:rPr>
+                <a:t>Cross validated node ages</a:t>
+              </a:r>
+            </a:p>
+            <a:p>
+              <a:pPr algn="ctr"/>
+              <a:r>
+                <a:rPr lang="en-US" sz="800" dirty="0">
+                  <a:latin typeface="Helvetica" pitchFamily="2" charset="0"/>
+                  <a:cs typeface="Times New Roman" panose="02020603050405020304" pitchFamily="18" charset="0"/>
+                </a:rPr>
+                <a:t>Time (Ma)</a:t>
+              </a:r>
+            </a:p>
+          </p:txBody>
+        </p:sp>
+      </p:grpSp>
+      <p:grpSp>
+        <p:nvGrpSpPr>
+          <p:cNvPr id="79" name="Group 78">
+            <a:extLst>
+              <a:ext uri="{FF2B5EF4-FFF2-40B4-BE49-F238E27FC236}">
+                <a16:creationId xmlns:a16="http://schemas.microsoft.com/office/drawing/2014/main" id="{46C78A24-9342-26F3-FF75-92E858A20863}"/>
+              </a:ext>
+            </a:extLst>
+          </p:cNvPr>
+          <p:cNvGrpSpPr/>
+          <p:nvPr/>
+        </p:nvGrpSpPr>
+        <p:grpSpPr>
+          <a:xfrm>
+            <a:off x="4537363" y="7070570"/>
+            <a:ext cx="2285643" cy="2049971"/>
+            <a:chOff x="5908" y="253997"/>
+            <a:chExt cx="2285643" cy="2049971"/>
+          </a:xfrm>
+        </p:grpSpPr>
+        <p:sp>
+          <p:nvSpPr>
+            <p:cNvPr id="80" name="TextBox 79">
+              <a:extLst>
+                <a:ext uri="{FF2B5EF4-FFF2-40B4-BE49-F238E27FC236}">
+                  <a16:creationId xmlns:a16="http://schemas.microsoft.com/office/drawing/2014/main" id="{E9F443F8-462F-2FB0-845E-43B9B2663DC7}"/>
+                </a:ext>
+              </a:extLst>
+            </p:cNvPr>
+            <p:cNvSpPr txBox="1"/>
+            <p:nvPr/>
+          </p:nvSpPr>
+          <p:spPr>
+            <a:xfrm>
+              <a:off x="436929" y="1848756"/>
+              <a:ext cx="1854622" cy="215444"/>
+            </a:xfrm>
+            <a:prstGeom prst="rect">
+              <a:avLst/>
+            </a:prstGeom>
+            <a:solidFill>
+              <a:srgbClr val="FFFFFF"/>
+            </a:solidFill>
+          </p:spPr>
+          <p:txBody>
+            <a:bodyPr wrap="square" rtlCol="0">
+              <a:spAutoFit/>
+            </a:bodyPr>
+            <a:lstStyle/>
+            <a:p>
+              <a:pPr algn="ctr"/>
+              <a:r>
+                <a:rPr lang="en-US" sz="800" dirty="0">
+                  <a:latin typeface="Helvetica" pitchFamily="2" charset="0"/>
+                  <a:cs typeface="Times New Roman" panose="02020603050405020304" pitchFamily="18" charset="0"/>
+                </a:rPr>
+                <a:t>40       30         20        10         0</a:t>
+              </a:r>
+            </a:p>
+          </p:txBody>
+        </p:sp>
+        <p:sp>
+          <p:nvSpPr>
+            <p:cNvPr id="81" name="TextBox 80">
+              <a:extLst>
+                <a:ext uri="{FF2B5EF4-FFF2-40B4-BE49-F238E27FC236}">
+                  <a16:creationId xmlns:a16="http://schemas.microsoft.com/office/drawing/2014/main" id="{72C125F4-E67F-0891-B95F-5CA50045DC96}"/>
+                </a:ext>
+              </a:extLst>
+            </p:cNvPr>
+            <p:cNvSpPr txBox="1"/>
+            <p:nvPr/>
+          </p:nvSpPr>
+          <p:spPr>
+            <a:xfrm rot="16200000">
+              <a:off x="-417480" y="925210"/>
+              <a:ext cx="1557869" cy="215444"/>
+            </a:xfrm>
+            <a:prstGeom prst="rect">
+              <a:avLst/>
+            </a:prstGeom>
+            <a:solidFill>
+              <a:srgbClr val="FFFFFF"/>
+            </a:solidFill>
+          </p:spPr>
+          <p:txBody>
+            <a:bodyPr wrap="square" rtlCol="0">
+              <a:spAutoFit/>
+            </a:bodyPr>
+            <a:lstStyle/>
+            <a:p>
+              <a:pPr algn="ctr"/>
+              <a:r>
+                <a:rPr lang="en-US" sz="800" dirty="0">
+                  <a:latin typeface="Helvetica" pitchFamily="2" charset="0"/>
+                  <a:cs typeface="Times New Roman" panose="02020603050405020304" pitchFamily="18" charset="0"/>
+                </a:rPr>
+                <a:t>40      30       20      10        0</a:t>
+              </a:r>
+            </a:p>
+          </p:txBody>
+        </p:sp>
+        <p:sp>
+          <p:nvSpPr>
+            <p:cNvPr id="82" name="TextBox 81">
+              <a:extLst>
+                <a:ext uri="{FF2B5EF4-FFF2-40B4-BE49-F238E27FC236}">
+                  <a16:creationId xmlns:a16="http://schemas.microsoft.com/office/drawing/2014/main" id="{3145BBEF-CDF9-A356-3DC5-AA179B30CBAF}"/>
+                </a:ext>
+              </a:extLst>
+            </p:cNvPr>
+            <p:cNvSpPr txBox="1"/>
+            <p:nvPr/>
+          </p:nvSpPr>
+          <p:spPr>
+            <a:xfrm>
+              <a:off x="447541" y="1965414"/>
+              <a:ext cx="1660659" cy="338554"/>
+            </a:xfrm>
+            <a:prstGeom prst="rect">
+              <a:avLst/>
+            </a:prstGeom>
+            <a:noFill/>
+          </p:spPr>
+          <p:txBody>
+            <a:bodyPr wrap="square" rtlCol="0">
+              <a:spAutoFit/>
+            </a:bodyPr>
+            <a:lstStyle/>
+            <a:p>
+              <a:pPr algn="ctr"/>
+              <a:r>
+                <a:rPr lang="en-US" sz="800" dirty="0">
+                  <a:latin typeface="Helvetica" pitchFamily="2" charset="0"/>
+                  <a:cs typeface="Times New Roman" panose="02020603050405020304" pitchFamily="18" charset="0"/>
+                </a:rPr>
+                <a:t>Original node ages</a:t>
+              </a:r>
+            </a:p>
+            <a:p>
+              <a:pPr algn="ctr"/>
+              <a:r>
+                <a:rPr lang="en-US" sz="800" dirty="0">
+                  <a:latin typeface="Helvetica" pitchFamily="2" charset="0"/>
+                  <a:cs typeface="Times New Roman" panose="02020603050405020304" pitchFamily="18" charset="0"/>
+                </a:rPr>
+                <a:t>Time (Ma)</a:t>
+              </a:r>
+            </a:p>
+          </p:txBody>
+        </p:sp>
+        <p:sp>
+          <p:nvSpPr>
+            <p:cNvPr id="83" name="TextBox 82">
+              <a:extLst>
+                <a:ext uri="{FF2B5EF4-FFF2-40B4-BE49-F238E27FC236}">
+                  <a16:creationId xmlns:a16="http://schemas.microsoft.com/office/drawing/2014/main" id="{E6246A75-8133-94FA-C5D2-B6B6B233D786}"/>
+                </a:ext>
+              </a:extLst>
+            </p:cNvPr>
+            <p:cNvSpPr txBox="1"/>
+            <p:nvPr/>
+          </p:nvSpPr>
+          <p:spPr>
+            <a:xfrm rot="16200000">
+              <a:off x="-562929" y="932900"/>
+              <a:ext cx="1476228" cy="338554"/>
+            </a:xfrm>
+            <a:prstGeom prst="rect">
+              <a:avLst/>
+            </a:prstGeom>
+            <a:noFill/>
+          </p:spPr>
+          <p:txBody>
+            <a:bodyPr wrap="square" rtlCol="0">
+              <a:spAutoFit/>
+            </a:bodyPr>
+            <a:lstStyle/>
+            <a:p>
+              <a:pPr algn="ctr"/>
+              <a:r>
+                <a:rPr lang="en-US" sz="800" dirty="0">
+                  <a:latin typeface="Helvetica" pitchFamily="2" charset="0"/>
+                  <a:cs typeface="Times New Roman" panose="02020603050405020304" pitchFamily="18" charset="0"/>
+                </a:rPr>
+                <a:t>Cross validated node ages</a:t>
+              </a:r>
+            </a:p>
+            <a:p>
+              <a:pPr algn="ctr"/>
+              <a:r>
+                <a:rPr lang="en-US" sz="800" dirty="0">
+                  <a:latin typeface="Helvetica" pitchFamily="2" charset="0"/>
+                  <a:cs typeface="Times New Roman" panose="02020603050405020304" pitchFamily="18" charset="0"/>
+                </a:rPr>
+                <a:t>Time (Ma)</a:t>
+              </a:r>
+            </a:p>
+          </p:txBody>
+        </p:sp>
+      </p:grpSp>
+      <p:grpSp>
+        <p:nvGrpSpPr>
+          <p:cNvPr id="84" name="Group 83">
+            <a:extLst>
+              <a:ext uri="{FF2B5EF4-FFF2-40B4-BE49-F238E27FC236}">
+                <a16:creationId xmlns:a16="http://schemas.microsoft.com/office/drawing/2014/main" id="{72D9B990-BAC7-D95F-DCC7-E8F49E738052}"/>
+              </a:ext>
+            </a:extLst>
+          </p:cNvPr>
+          <p:cNvGrpSpPr/>
+          <p:nvPr/>
+        </p:nvGrpSpPr>
+        <p:grpSpPr>
+          <a:xfrm>
+            <a:off x="2266509" y="7086612"/>
+            <a:ext cx="2285643" cy="2049971"/>
+            <a:chOff x="5908" y="253997"/>
+            <a:chExt cx="2285643" cy="2049971"/>
+          </a:xfrm>
+        </p:grpSpPr>
+        <p:sp>
+          <p:nvSpPr>
+            <p:cNvPr id="85" name="TextBox 84">
+              <a:extLst>
+                <a:ext uri="{FF2B5EF4-FFF2-40B4-BE49-F238E27FC236}">
+                  <a16:creationId xmlns:a16="http://schemas.microsoft.com/office/drawing/2014/main" id="{FC9DF94C-5278-013A-E960-67760E36BEC3}"/>
+                </a:ext>
+              </a:extLst>
+            </p:cNvPr>
+            <p:cNvSpPr txBox="1"/>
+            <p:nvPr/>
+          </p:nvSpPr>
+          <p:spPr>
+            <a:xfrm>
+              <a:off x="436929" y="1848756"/>
+              <a:ext cx="1854622" cy="215444"/>
+            </a:xfrm>
+            <a:prstGeom prst="rect">
+              <a:avLst/>
+            </a:prstGeom>
+            <a:solidFill>
+              <a:srgbClr val="FFFFFF"/>
+            </a:solidFill>
+          </p:spPr>
+          <p:txBody>
+            <a:bodyPr wrap="square" rtlCol="0">
+              <a:spAutoFit/>
+            </a:bodyPr>
+            <a:lstStyle/>
+            <a:p>
+              <a:pPr algn="ctr"/>
+              <a:r>
+                <a:rPr lang="en-US" sz="800" dirty="0">
+                  <a:latin typeface="Helvetica" pitchFamily="2" charset="0"/>
+                  <a:cs typeface="Times New Roman" panose="02020603050405020304" pitchFamily="18" charset="0"/>
+                </a:rPr>
+                <a:t>40       30         20        10         0</a:t>
+              </a:r>
+            </a:p>
+          </p:txBody>
+        </p:sp>
+        <p:sp>
+          <p:nvSpPr>
+            <p:cNvPr id="86" name="TextBox 85">
+              <a:extLst>
+                <a:ext uri="{FF2B5EF4-FFF2-40B4-BE49-F238E27FC236}">
+                  <a16:creationId xmlns:a16="http://schemas.microsoft.com/office/drawing/2014/main" id="{89BBCF09-CBDC-8425-7174-B00331C7BFD0}"/>
+                </a:ext>
+              </a:extLst>
+            </p:cNvPr>
+            <p:cNvSpPr txBox="1"/>
+            <p:nvPr/>
+          </p:nvSpPr>
+          <p:spPr>
+            <a:xfrm rot="16200000">
+              <a:off x="-417480" y="925210"/>
+              <a:ext cx="1557869" cy="215444"/>
+            </a:xfrm>
+            <a:prstGeom prst="rect">
+              <a:avLst/>
+            </a:prstGeom>
+            <a:solidFill>
+              <a:srgbClr val="FFFFFF"/>
+            </a:solidFill>
+          </p:spPr>
+          <p:txBody>
+            <a:bodyPr wrap="square" rtlCol="0">
+              <a:spAutoFit/>
+            </a:bodyPr>
+            <a:lstStyle/>
+            <a:p>
+              <a:pPr algn="ctr"/>
+              <a:r>
+                <a:rPr lang="en-US" sz="800" dirty="0">
+                  <a:latin typeface="Helvetica" pitchFamily="2" charset="0"/>
+                  <a:cs typeface="Times New Roman" panose="02020603050405020304" pitchFamily="18" charset="0"/>
+                </a:rPr>
+                <a:t>40      30       20      10        0</a:t>
+              </a:r>
+            </a:p>
+          </p:txBody>
+        </p:sp>
+        <p:sp>
+          <p:nvSpPr>
+            <p:cNvPr id="87" name="TextBox 86">
+              <a:extLst>
+                <a:ext uri="{FF2B5EF4-FFF2-40B4-BE49-F238E27FC236}">
+                  <a16:creationId xmlns:a16="http://schemas.microsoft.com/office/drawing/2014/main" id="{C47B2649-78C7-970A-9DDE-D7B5CEF58510}"/>
+                </a:ext>
+              </a:extLst>
+            </p:cNvPr>
+            <p:cNvSpPr txBox="1"/>
+            <p:nvPr/>
+          </p:nvSpPr>
+          <p:spPr>
+            <a:xfrm>
+              <a:off x="447541" y="1965414"/>
+              <a:ext cx="1660659" cy="338554"/>
+            </a:xfrm>
+            <a:prstGeom prst="rect">
+              <a:avLst/>
+            </a:prstGeom>
+            <a:noFill/>
+          </p:spPr>
+          <p:txBody>
+            <a:bodyPr wrap="square" rtlCol="0">
+              <a:spAutoFit/>
+            </a:bodyPr>
+            <a:lstStyle/>
+            <a:p>
+              <a:pPr algn="ctr"/>
+              <a:r>
+                <a:rPr lang="en-US" sz="800" dirty="0">
+                  <a:latin typeface="Helvetica" pitchFamily="2" charset="0"/>
+                  <a:cs typeface="Times New Roman" panose="02020603050405020304" pitchFamily="18" charset="0"/>
+                </a:rPr>
+                <a:t>Original node ages</a:t>
+              </a:r>
+            </a:p>
+            <a:p>
+              <a:pPr algn="ctr"/>
+              <a:r>
+                <a:rPr lang="en-US" sz="800" dirty="0">
+                  <a:latin typeface="Helvetica" pitchFamily="2" charset="0"/>
+                  <a:cs typeface="Times New Roman" panose="02020603050405020304" pitchFamily="18" charset="0"/>
+                </a:rPr>
+                <a:t>Time (Ma)</a:t>
+              </a:r>
+            </a:p>
+          </p:txBody>
+        </p:sp>
+        <p:sp>
+          <p:nvSpPr>
+            <p:cNvPr id="88" name="TextBox 87">
+              <a:extLst>
+                <a:ext uri="{FF2B5EF4-FFF2-40B4-BE49-F238E27FC236}">
+                  <a16:creationId xmlns:a16="http://schemas.microsoft.com/office/drawing/2014/main" id="{BC30554F-8DBB-44C4-58CC-03B48A20D309}"/>
+                </a:ext>
+              </a:extLst>
+            </p:cNvPr>
+            <p:cNvSpPr txBox="1"/>
+            <p:nvPr/>
+          </p:nvSpPr>
+          <p:spPr>
+            <a:xfrm rot="16200000">
+              <a:off x="-562929" y="932900"/>
+              <a:ext cx="1476228" cy="338554"/>
+            </a:xfrm>
+            <a:prstGeom prst="rect">
+              <a:avLst/>
+            </a:prstGeom>
+            <a:noFill/>
+          </p:spPr>
+          <p:txBody>
+            <a:bodyPr wrap="square" rtlCol="0">
+              <a:spAutoFit/>
+            </a:bodyPr>
+            <a:lstStyle/>
+            <a:p>
+              <a:pPr algn="ctr"/>
+              <a:r>
+                <a:rPr lang="en-US" sz="800" dirty="0">
+                  <a:latin typeface="Helvetica" pitchFamily="2" charset="0"/>
+                  <a:cs typeface="Times New Roman" panose="02020603050405020304" pitchFamily="18" charset="0"/>
+                </a:rPr>
+                <a:t>Cross validated node ages</a:t>
+              </a:r>
+            </a:p>
+            <a:p>
+              <a:pPr algn="ctr"/>
+              <a:r>
+                <a:rPr lang="en-US" sz="800" dirty="0">
+                  <a:latin typeface="Helvetica" pitchFamily="2" charset="0"/>
+                  <a:cs typeface="Times New Roman" panose="02020603050405020304" pitchFamily="18" charset="0"/>
+                </a:rPr>
+                <a:t>Time (Ma)</a:t>
+              </a:r>
+            </a:p>
+          </p:txBody>
+        </p:sp>
+      </p:grpSp>
+      <p:grpSp>
+        <p:nvGrpSpPr>
+          <p:cNvPr id="89" name="Group 88">
+            <a:extLst>
+              <a:ext uri="{FF2B5EF4-FFF2-40B4-BE49-F238E27FC236}">
+                <a16:creationId xmlns:a16="http://schemas.microsoft.com/office/drawing/2014/main" id="{101C17A7-9CAA-B096-DE17-2EA004C5BCBE}"/>
+              </a:ext>
+            </a:extLst>
+          </p:cNvPr>
+          <p:cNvGrpSpPr/>
+          <p:nvPr/>
+        </p:nvGrpSpPr>
+        <p:grpSpPr>
+          <a:xfrm>
+            <a:off x="-2565" y="7086614"/>
+            <a:ext cx="2285643" cy="2049971"/>
+            <a:chOff x="5908" y="253997"/>
+            <a:chExt cx="2285643" cy="2049971"/>
+          </a:xfrm>
+        </p:grpSpPr>
+        <p:sp>
+          <p:nvSpPr>
+            <p:cNvPr id="90" name="TextBox 89">
+              <a:extLst>
+                <a:ext uri="{FF2B5EF4-FFF2-40B4-BE49-F238E27FC236}">
+                  <a16:creationId xmlns:a16="http://schemas.microsoft.com/office/drawing/2014/main" id="{FA79226B-1116-9AAA-62B2-6C33076DCD3F}"/>
+                </a:ext>
+              </a:extLst>
+            </p:cNvPr>
+            <p:cNvSpPr txBox="1"/>
+            <p:nvPr/>
+          </p:nvSpPr>
+          <p:spPr>
+            <a:xfrm>
+              <a:off x="436929" y="1848756"/>
+              <a:ext cx="1854622" cy="215444"/>
+            </a:xfrm>
+            <a:prstGeom prst="rect">
+              <a:avLst/>
+            </a:prstGeom>
+            <a:solidFill>
+              <a:srgbClr val="FFFFFF"/>
+            </a:solidFill>
+          </p:spPr>
+          <p:txBody>
+            <a:bodyPr wrap="square" rtlCol="0">
+              <a:spAutoFit/>
+            </a:bodyPr>
+            <a:lstStyle/>
+            <a:p>
+              <a:pPr algn="ctr"/>
+              <a:r>
+                <a:rPr lang="en-US" sz="800" dirty="0">
+                  <a:latin typeface="Helvetica" pitchFamily="2" charset="0"/>
+                  <a:cs typeface="Times New Roman" panose="02020603050405020304" pitchFamily="18" charset="0"/>
+                </a:rPr>
+                <a:t>40       30         20        10         0</a:t>
+              </a:r>
+            </a:p>
+          </p:txBody>
+        </p:sp>
+        <p:sp>
+          <p:nvSpPr>
+            <p:cNvPr id="91" name="TextBox 90">
+              <a:extLst>
+                <a:ext uri="{FF2B5EF4-FFF2-40B4-BE49-F238E27FC236}">
+                  <a16:creationId xmlns:a16="http://schemas.microsoft.com/office/drawing/2014/main" id="{EA915B9C-16DE-8868-4A77-97C190683C5A}"/>
+                </a:ext>
+              </a:extLst>
+            </p:cNvPr>
+            <p:cNvSpPr txBox="1"/>
+            <p:nvPr/>
+          </p:nvSpPr>
+          <p:spPr>
+            <a:xfrm rot="16200000">
+              <a:off x="-417480" y="925210"/>
+              <a:ext cx="1557869" cy="215444"/>
+            </a:xfrm>
+            <a:prstGeom prst="rect">
+              <a:avLst/>
+            </a:prstGeom>
+            <a:solidFill>
+              <a:srgbClr val="FFFFFF"/>
+            </a:solidFill>
+          </p:spPr>
+          <p:txBody>
+            <a:bodyPr wrap="square" rtlCol="0">
+              <a:spAutoFit/>
+            </a:bodyPr>
+            <a:lstStyle/>
+            <a:p>
+              <a:pPr algn="ctr"/>
+              <a:r>
+                <a:rPr lang="en-US" sz="800" dirty="0">
+                  <a:latin typeface="Helvetica" pitchFamily="2" charset="0"/>
+                  <a:cs typeface="Times New Roman" panose="02020603050405020304" pitchFamily="18" charset="0"/>
+                </a:rPr>
+                <a:t>40      30       20      10        0</a:t>
+              </a:r>
+            </a:p>
+          </p:txBody>
+        </p:sp>
+        <p:sp>
+          <p:nvSpPr>
+            <p:cNvPr id="92" name="TextBox 91">
+              <a:extLst>
+                <a:ext uri="{FF2B5EF4-FFF2-40B4-BE49-F238E27FC236}">
+                  <a16:creationId xmlns:a16="http://schemas.microsoft.com/office/drawing/2014/main" id="{BEB9F503-FFDA-638E-251E-2DC7FE396BC6}"/>
+                </a:ext>
+              </a:extLst>
+            </p:cNvPr>
+            <p:cNvSpPr txBox="1"/>
+            <p:nvPr/>
+          </p:nvSpPr>
+          <p:spPr>
+            <a:xfrm>
+              <a:off x="447541" y="1965414"/>
+              <a:ext cx="1660659" cy="338554"/>
+            </a:xfrm>
+            <a:prstGeom prst="rect">
+              <a:avLst/>
+            </a:prstGeom>
+            <a:noFill/>
+          </p:spPr>
+          <p:txBody>
+            <a:bodyPr wrap="square" rtlCol="0">
+              <a:spAutoFit/>
+            </a:bodyPr>
+            <a:lstStyle/>
+            <a:p>
+              <a:pPr algn="ctr"/>
+              <a:r>
+                <a:rPr lang="en-US" sz="800" dirty="0">
+                  <a:latin typeface="Helvetica" pitchFamily="2" charset="0"/>
+                  <a:cs typeface="Times New Roman" panose="02020603050405020304" pitchFamily="18" charset="0"/>
+                </a:rPr>
+                <a:t>Original node ages</a:t>
+              </a:r>
+            </a:p>
+            <a:p>
+              <a:pPr algn="ctr"/>
+              <a:r>
+                <a:rPr lang="en-US" sz="800" dirty="0">
+                  <a:latin typeface="Helvetica" pitchFamily="2" charset="0"/>
+                  <a:cs typeface="Times New Roman" panose="02020603050405020304" pitchFamily="18" charset="0"/>
+                </a:rPr>
+                <a:t>Time (Ma)</a:t>
+              </a:r>
+            </a:p>
+          </p:txBody>
+        </p:sp>
+        <p:sp>
+          <p:nvSpPr>
+            <p:cNvPr id="93" name="TextBox 92">
+              <a:extLst>
+                <a:ext uri="{FF2B5EF4-FFF2-40B4-BE49-F238E27FC236}">
+                  <a16:creationId xmlns:a16="http://schemas.microsoft.com/office/drawing/2014/main" id="{F6932062-9A96-B9C0-D50F-D806B7DAA7E3}"/>
+                </a:ext>
+              </a:extLst>
+            </p:cNvPr>
+            <p:cNvSpPr txBox="1"/>
+            <p:nvPr/>
+          </p:nvSpPr>
+          <p:spPr>
+            <a:xfrm rot="16200000">
+              <a:off x="-562929" y="932900"/>
+              <a:ext cx="1476228" cy="338554"/>
+            </a:xfrm>
+            <a:prstGeom prst="rect">
+              <a:avLst/>
+            </a:prstGeom>
+            <a:noFill/>
+          </p:spPr>
+          <p:txBody>
+            <a:bodyPr wrap="square" rtlCol="0">
+              <a:spAutoFit/>
+            </a:bodyPr>
+            <a:lstStyle/>
+            <a:p>
+              <a:pPr algn="ctr"/>
+              <a:r>
+                <a:rPr lang="en-US" sz="800" dirty="0">
+                  <a:latin typeface="Helvetica" pitchFamily="2" charset="0"/>
+                  <a:cs typeface="Times New Roman" panose="02020603050405020304" pitchFamily="18" charset="0"/>
+                </a:rPr>
+                <a:t>Cross validated node ages</a:t>
+              </a:r>
+            </a:p>
+            <a:p>
+              <a:pPr algn="ctr"/>
+              <a:r>
+                <a:rPr lang="en-US" sz="800" dirty="0">
+                  <a:latin typeface="Helvetica" pitchFamily="2" charset="0"/>
+                  <a:cs typeface="Times New Roman" panose="02020603050405020304" pitchFamily="18" charset="0"/>
+                </a:rPr>
+                <a:t>Time (Ma)</a:t>
+              </a:r>
+            </a:p>
+          </p:txBody>
+        </p:sp>
+      </p:grpSp>
+      <p:grpSp>
+        <p:nvGrpSpPr>
+          <p:cNvPr id="44" name="Group 43">
+            <a:extLst>
+              <a:ext uri="{FF2B5EF4-FFF2-40B4-BE49-F238E27FC236}">
+                <a16:creationId xmlns:a16="http://schemas.microsoft.com/office/drawing/2014/main" id="{7AB63B7E-2E8F-83F1-CB7C-3821AC11356A}"/>
+              </a:ext>
+            </a:extLst>
+          </p:cNvPr>
+          <p:cNvGrpSpPr/>
+          <p:nvPr/>
+        </p:nvGrpSpPr>
+        <p:grpSpPr>
+          <a:xfrm>
+            <a:off x="4545836" y="237953"/>
+            <a:ext cx="2285643" cy="2049971"/>
+            <a:chOff x="5908" y="253997"/>
+            <a:chExt cx="2285643" cy="2049971"/>
+          </a:xfrm>
+        </p:grpSpPr>
+        <p:sp>
+          <p:nvSpPr>
+            <p:cNvPr id="45" name="TextBox 44">
+              <a:extLst>
+                <a:ext uri="{FF2B5EF4-FFF2-40B4-BE49-F238E27FC236}">
+                  <a16:creationId xmlns:a16="http://schemas.microsoft.com/office/drawing/2014/main" id="{57F5C023-6FBA-D73D-411E-45C2236F519C}"/>
+                </a:ext>
+              </a:extLst>
+            </p:cNvPr>
+            <p:cNvSpPr txBox="1"/>
+            <p:nvPr/>
+          </p:nvSpPr>
+          <p:spPr>
+            <a:xfrm>
+              <a:off x="436929" y="1848756"/>
+              <a:ext cx="1854622" cy="215444"/>
+            </a:xfrm>
+            <a:prstGeom prst="rect">
+              <a:avLst/>
+            </a:prstGeom>
+            <a:solidFill>
+              <a:srgbClr val="FFFFFF"/>
+            </a:solidFill>
+          </p:spPr>
+          <p:txBody>
+            <a:bodyPr wrap="square" rtlCol="0">
+              <a:spAutoFit/>
+            </a:bodyPr>
+            <a:lstStyle/>
+            <a:p>
+              <a:pPr algn="ctr"/>
+              <a:r>
+                <a:rPr lang="en-US" sz="800" dirty="0">
+                  <a:latin typeface="Helvetica" pitchFamily="2" charset="0"/>
+                  <a:cs typeface="Times New Roman" panose="02020603050405020304" pitchFamily="18" charset="0"/>
+                </a:rPr>
+                <a:t>40       30         20        10         0</a:t>
+              </a:r>
+            </a:p>
+          </p:txBody>
+        </p:sp>
+        <p:sp>
+          <p:nvSpPr>
+            <p:cNvPr id="46" name="TextBox 45">
+              <a:extLst>
+                <a:ext uri="{FF2B5EF4-FFF2-40B4-BE49-F238E27FC236}">
+                  <a16:creationId xmlns:a16="http://schemas.microsoft.com/office/drawing/2014/main" id="{753CDA25-21E3-C08A-649E-9478D1213F0B}"/>
+                </a:ext>
+              </a:extLst>
+            </p:cNvPr>
+            <p:cNvSpPr txBox="1"/>
+            <p:nvPr/>
+          </p:nvSpPr>
+          <p:spPr>
+            <a:xfrm rot="16200000">
+              <a:off x="-417480" y="925210"/>
+              <a:ext cx="1557869" cy="215444"/>
+            </a:xfrm>
+            <a:prstGeom prst="rect">
+              <a:avLst/>
+            </a:prstGeom>
+            <a:solidFill>
+              <a:srgbClr val="FFFFFF"/>
+            </a:solidFill>
+          </p:spPr>
+          <p:txBody>
+            <a:bodyPr wrap="square" rtlCol="0">
+              <a:spAutoFit/>
+            </a:bodyPr>
+            <a:lstStyle/>
+            <a:p>
+              <a:pPr algn="ctr"/>
+              <a:r>
+                <a:rPr lang="en-US" sz="800" dirty="0">
+                  <a:latin typeface="Helvetica" pitchFamily="2" charset="0"/>
+                  <a:cs typeface="Times New Roman" panose="02020603050405020304" pitchFamily="18" charset="0"/>
+                </a:rPr>
+                <a:t>40      30       20      10        0</a:t>
+              </a:r>
+            </a:p>
+          </p:txBody>
+        </p:sp>
+        <p:sp>
+          <p:nvSpPr>
+            <p:cNvPr id="47" name="TextBox 46">
+              <a:extLst>
+                <a:ext uri="{FF2B5EF4-FFF2-40B4-BE49-F238E27FC236}">
+                  <a16:creationId xmlns:a16="http://schemas.microsoft.com/office/drawing/2014/main" id="{1850EF93-E858-FDD8-DC74-7828FE04CD1F}"/>
+                </a:ext>
+              </a:extLst>
+            </p:cNvPr>
+            <p:cNvSpPr txBox="1"/>
+            <p:nvPr/>
+          </p:nvSpPr>
+          <p:spPr>
+            <a:xfrm>
+              <a:off x="447541" y="1965414"/>
+              <a:ext cx="1660659" cy="338554"/>
+            </a:xfrm>
+            <a:prstGeom prst="rect">
+              <a:avLst/>
+            </a:prstGeom>
+            <a:noFill/>
+          </p:spPr>
+          <p:txBody>
+            <a:bodyPr wrap="square" rtlCol="0">
+              <a:spAutoFit/>
+            </a:bodyPr>
+            <a:lstStyle/>
+            <a:p>
+              <a:pPr algn="ctr"/>
+              <a:r>
+                <a:rPr lang="en-US" sz="800" dirty="0">
+                  <a:latin typeface="Helvetica" pitchFamily="2" charset="0"/>
+                  <a:cs typeface="Times New Roman" panose="02020603050405020304" pitchFamily="18" charset="0"/>
+                </a:rPr>
+                <a:t>Original node ages</a:t>
+              </a:r>
+            </a:p>
+            <a:p>
+              <a:pPr algn="ctr"/>
+              <a:r>
+                <a:rPr lang="en-US" sz="800" dirty="0">
+                  <a:latin typeface="Helvetica" pitchFamily="2" charset="0"/>
+                  <a:cs typeface="Times New Roman" panose="02020603050405020304" pitchFamily="18" charset="0"/>
+                </a:rPr>
+                <a:t>Time (Ma)</a:t>
+              </a:r>
+            </a:p>
+          </p:txBody>
+        </p:sp>
+        <p:sp>
+          <p:nvSpPr>
+            <p:cNvPr id="48" name="TextBox 47">
+              <a:extLst>
+                <a:ext uri="{FF2B5EF4-FFF2-40B4-BE49-F238E27FC236}">
+                  <a16:creationId xmlns:a16="http://schemas.microsoft.com/office/drawing/2014/main" id="{B3F703A8-47F0-CCC8-4403-7505F99E3079}"/>
+                </a:ext>
+              </a:extLst>
+            </p:cNvPr>
+            <p:cNvSpPr txBox="1"/>
+            <p:nvPr/>
+          </p:nvSpPr>
+          <p:spPr>
+            <a:xfrm rot="16200000">
+              <a:off x="-562929" y="932900"/>
+              <a:ext cx="1476228" cy="338554"/>
+            </a:xfrm>
+            <a:prstGeom prst="rect">
+              <a:avLst/>
+            </a:prstGeom>
+            <a:noFill/>
+          </p:spPr>
+          <p:txBody>
+            <a:bodyPr wrap="square" rtlCol="0">
+              <a:spAutoFit/>
+            </a:bodyPr>
+            <a:lstStyle/>
+            <a:p>
+              <a:pPr algn="ctr"/>
+              <a:r>
+                <a:rPr lang="en-US" sz="800" dirty="0">
+                  <a:latin typeface="Helvetica" pitchFamily="2" charset="0"/>
+                  <a:cs typeface="Times New Roman" panose="02020603050405020304" pitchFamily="18" charset="0"/>
+                </a:rPr>
+                <a:t>Cross validated node ages</a:t>
+              </a:r>
+            </a:p>
+            <a:p>
+              <a:pPr algn="ctr"/>
+              <a:r>
+                <a:rPr lang="en-US" sz="800" dirty="0">
+                  <a:latin typeface="Helvetica" pitchFamily="2" charset="0"/>
+                  <a:cs typeface="Times New Roman" panose="02020603050405020304" pitchFamily="18" charset="0"/>
+                </a:rPr>
+                <a:t>Time (Ma)</a:t>
+              </a:r>
+            </a:p>
+          </p:txBody>
+        </p:sp>
+      </p:grpSp>
+      <p:grpSp>
+        <p:nvGrpSpPr>
+          <p:cNvPr id="38" name="Group 37">
+            <a:extLst>
+              <a:ext uri="{FF2B5EF4-FFF2-40B4-BE49-F238E27FC236}">
+                <a16:creationId xmlns:a16="http://schemas.microsoft.com/office/drawing/2014/main" id="{88F07CBE-2222-E7CC-BBDB-E792752E63C9}"/>
+              </a:ext>
+            </a:extLst>
+          </p:cNvPr>
+          <p:cNvGrpSpPr/>
+          <p:nvPr/>
+        </p:nvGrpSpPr>
+        <p:grpSpPr>
+          <a:xfrm>
+            <a:off x="2274982" y="253995"/>
+            <a:ext cx="2285643" cy="2049971"/>
+            <a:chOff x="5908" y="253997"/>
+            <a:chExt cx="2285643" cy="2049971"/>
+          </a:xfrm>
+        </p:grpSpPr>
+        <p:sp>
+          <p:nvSpPr>
+            <p:cNvPr id="39" name="TextBox 38">
+              <a:extLst>
+                <a:ext uri="{FF2B5EF4-FFF2-40B4-BE49-F238E27FC236}">
+                  <a16:creationId xmlns:a16="http://schemas.microsoft.com/office/drawing/2014/main" id="{F43546ED-20EF-9C91-5646-5E90C13AF9B1}"/>
+                </a:ext>
+              </a:extLst>
+            </p:cNvPr>
+            <p:cNvSpPr txBox="1"/>
+            <p:nvPr/>
+          </p:nvSpPr>
+          <p:spPr>
+            <a:xfrm>
+              <a:off x="436929" y="1848756"/>
+              <a:ext cx="1854622" cy="215444"/>
+            </a:xfrm>
+            <a:prstGeom prst="rect">
+              <a:avLst/>
+            </a:prstGeom>
+            <a:solidFill>
+              <a:srgbClr val="FFFFFF"/>
+            </a:solidFill>
+          </p:spPr>
+          <p:txBody>
+            <a:bodyPr wrap="square" rtlCol="0">
+              <a:spAutoFit/>
+            </a:bodyPr>
+            <a:lstStyle/>
+            <a:p>
+              <a:pPr algn="ctr"/>
+              <a:r>
+                <a:rPr lang="en-US" sz="800" dirty="0">
+                  <a:latin typeface="Helvetica" pitchFamily="2" charset="0"/>
+                  <a:cs typeface="Times New Roman" panose="02020603050405020304" pitchFamily="18" charset="0"/>
+                </a:rPr>
+                <a:t>40       30         20        10         0</a:t>
+              </a:r>
+            </a:p>
+          </p:txBody>
+        </p:sp>
+        <p:sp>
+          <p:nvSpPr>
+            <p:cNvPr id="40" name="TextBox 39">
+              <a:extLst>
+                <a:ext uri="{FF2B5EF4-FFF2-40B4-BE49-F238E27FC236}">
+                  <a16:creationId xmlns:a16="http://schemas.microsoft.com/office/drawing/2014/main" id="{C3C66074-8074-3953-F9F7-56600C2B3AFB}"/>
+                </a:ext>
+              </a:extLst>
+            </p:cNvPr>
+            <p:cNvSpPr txBox="1"/>
+            <p:nvPr/>
+          </p:nvSpPr>
+          <p:spPr>
+            <a:xfrm rot="16200000">
+              <a:off x="-417480" y="925210"/>
+              <a:ext cx="1557869" cy="215444"/>
+            </a:xfrm>
+            <a:prstGeom prst="rect">
+              <a:avLst/>
+            </a:prstGeom>
+            <a:solidFill>
+              <a:srgbClr val="FFFFFF"/>
+            </a:solidFill>
+          </p:spPr>
+          <p:txBody>
+            <a:bodyPr wrap="square" rtlCol="0">
+              <a:spAutoFit/>
+            </a:bodyPr>
+            <a:lstStyle/>
+            <a:p>
+              <a:pPr algn="ctr"/>
+              <a:r>
+                <a:rPr lang="en-US" sz="800" dirty="0">
+                  <a:latin typeface="Helvetica" pitchFamily="2" charset="0"/>
+                  <a:cs typeface="Times New Roman" panose="02020603050405020304" pitchFamily="18" charset="0"/>
+                </a:rPr>
+                <a:t>40      30       20      10        0</a:t>
+              </a:r>
+            </a:p>
+          </p:txBody>
+        </p:sp>
+        <p:sp>
+          <p:nvSpPr>
+            <p:cNvPr id="41" name="TextBox 40">
+              <a:extLst>
+                <a:ext uri="{FF2B5EF4-FFF2-40B4-BE49-F238E27FC236}">
+                  <a16:creationId xmlns:a16="http://schemas.microsoft.com/office/drawing/2014/main" id="{F85368C8-9A18-3F2A-1138-CCA5C709A1F0}"/>
+                </a:ext>
+              </a:extLst>
+            </p:cNvPr>
+            <p:cNvSpPr txBox="1"/>
+            <p:nvPr/>
+          </p:nvSpPr>
+          <p:spPr>
+            <a:xfrm>
+              <a:off x="447541" y="1965414"/>
+              <a:ext cx="1660659" cy="338554"/>
+            </a:xfrm>
+            <a:prstGeom prst="rect">
+              <a:avLst/>
+            </a:prstGeom>
+            <a:noFill/>
+          </p:spPr>
+          <p:txBody>
+            <a:bodyPr wrap="square" rtlCol="0">
+              <a:spAutoFit/>
+            </a:bodyPr>
+            <a:lstStyle/>
+            <a:p>
+              <a:pPr algn="ctr"/>
+              <a:r>
+                <a:rPr lang="en-US" sz="800" dirty="0">
+                  <a:latin typeface="Helvetica" pitchFamily="2" charset="0"/>
+                  <a:cs typeface="Times New Roman" panose="02020603050405020304" pitchFamily="18" charset="0"/>
+                </a:rPr>
+                <a:t>Original node ages</a:t>
+              </a:r>
+            </a:p>
+            <a:p>
+              <a:pPr algn="ctr"/>
+              <a:r>
+                <a:rPr lang="en-US" sz="800" dirty="0">
+                  <a:latin typeface="Helvetica" pitchFamily="2" charset="0"/>
+                  <a:cs typeface="Times New Roman" panose="02020603050405020304" pitchFamily="18" charset="0"/>
+                </a:rPr>
+                <a:t>Time (Ma)</a:t>
+              </a:r>
+            </a:p>
+          </p:txBody>
+        </p:sp>
+        <p:sp>
+          <p:nvSpPr>
+            <p:cNvPr id="42" name="TextBox 41">
+              <a:extLst>
+                <a:ext uri="{FF2B5EF4-FFF2-40B4-BE49-F238E27FC236}">
+                  <a16:creationId xmlns:a16="http://schemas.microsoft.com/office/drawing/2014/main" id="{63702971-2C65-7941-C680-4C4D66974BAF}"/>
+                </a:ext>
+              </a:extLst>
+            </p:cNvPr>
+            <p:cNvSpPr txBox="1"/>
+            <p:nvPr/>
+          </p:nvSpPr>
+          <p:spPr>
+            <a:xfrm rot="16200000">
+              <a:off x="-562929" y="932900"/>
+              <a:ext cx="1476228" cy="338554"/>
+            </a:xfrm>
+            <a:prstGeom prst="rect">
+              <a:avLst/>
+            </a:prstGeom>
+            <a:noFill/>
+          </p:spPr>
+          <p:txBody>
+            <a:bodyPr wrap="square" rtlCol="0">
+              <a:spAutoFit/>
+            </a:bodyPr>
+            <a:lstStyle/>
+            <a:p>
+              <a:pPr algn="ctr"/>
+              <a:r>
+                <a:rPr lang="en-US" sz="800" dirty="0">
+                  <a:latin typeface="Helvetica" pitchFamily="2" charset="0"/>
+                  <a:cs typeface="Times New Roman" panose="02020603050405020304" pitchFamily="18" charset="0"/>
+                </a:rPr>
+                <a:t>Cross validated node ages</a:t>
+              </a:r>
+            </a:p>
+            <a:p>
+              <a:pPr algn="ctr"/>
+              <a:r>
+                <a:rPr lang="en-US" sz="800" dirty="0">
+                  <a:latin typeface="Helvetica" pitchFamily="2" charset="0"/>
+                  <a:cs typeface="Times New Roman" panose="02020603050405020304" pitchFamily="18" charset="0"/>
+                </a:rPr>
+                <a:t>Time (Ma)</a:t>
+              </a:r>
+            </a:p>
+          </p:txBody>
+        </p:sp>
+      </p:grpSp>
       <p:pic>
         <p:nvPicPr>
           <p:cNvPr id="7" name="Picture 6">
@@ -3026,16 +5207,15 @@
           </p:cNvPicPr>
           <p:nvPr/>
         </p:nvPicPr>
-        <p:blipFill>
-          <a:blip r:embed="rId3"/>
-          <a:stretch>
-            <a:fillRect/>
-          </a:stretch>
+        <p:blipFill rotWithShape="1">
+          <a:blip r:embed="rId2"/>
+          <a:srcRect l="17075" b="16941"/>
+          <a:stretch/>
         </p:blipFill>
         <p:spPr>
           <a:xfrm>
-            <a:off x="2274758" y="-3067"/>
-            <a:ext cx="2308485" cy="2308485"/>
+            <a:off x="2668932" y="-3066"/>
+            <a:ext cx="1914311" cy="1917408"/>
           </a:xfrm>
           <a:prstGeom prst="rect">
             <a:avLst/>
@@ -3056,16 +5236,15 @@
           </p:cNvPicPr>
           <p:nvPr/>
         </p:nvPicPr>
-        <p:blipFill>
-          <a:blip r:embed="rId4"/>
-          <a:stretch>
-            <a:fillRect/>
-          </a:stretch>
+        <p:blipFill rotWithShape="1">
+          <a:blip r:embed="rId3"/>
+          <a:srcRect l="15404" b="16941"/>
+          <a:stretch/>
         </p:blipFill>
         <p:spPr>
           <a:xfrm>
-            <a:off x="4549515" y="-3067"/>
-            <a:ext cx="2308485" cy="2308485"/>
+            <a:off x="4896647" y="-3067"/>
+            <a:ext cx="1952886" cy="1917409"/>
           </a:xfrm>
           <a:prstGeom prst="rect">
             <a:avLst/>
@@ -3086,16 +5265,15 @@
           </p:cNvPicPr>
           <p:nvPr/>
         </p:nvPicPr>
-        <p:blipFill>
-          <a:blip r:embed="rId5"/>
-          <a:stretch>
-            <a:fillRect/>
-          </a:stretch>
+        <p:blipFill rotWithShape="1">
+          <a:blip r:embed="rId4"/>
+          <a:srcRect l="15161" b="16941"/>
+          <a:stretch/>
         </p:blipFill>
         <p:spPr>
           <a:xfrm>
-            <a:off x="5621" y="2277708"/>
-            <a:ext cx="2308485" cy="2308485"/>
+            <a:off x="355600" y="2277708"/>
+            <a:ext cx="1958506" cy="1917409"/>
           </a:xfrm>
           <a:prstGeom prst="rect">
             <a:avLst/>
@@ -3116,16 +5294,15 @@
           </p:cNvPicPr>
           <p:nvPr/>
         </p:nvPicPr>
-        <p:blipFill>
-          <a:blip r:embed="rId6"/>
-          <a:stretch>
-            <a:fillRect/>
-          </a:stretch>
+        <p:blipFill rotWithShape="1">
+          <a:blip r:embed="rId5"/>
+          <a:srcRect l="17075" b="16941"/>
+          <a:stretch/>
         </p:blipFill>
         <p:spPr>
           <a:xfrm>
-            <a:off x="2269138" y="2277707"/>
-            <a:ext cx="2308485" cy="2308485"/>
+            <a:off x="2663312" y="2277708"/>
+            <a:ext cx="1914311" cy="1917408"/>
           </a:xfrm>
           <a:prstGeom prst="rect">
             <a:avLst/>
@@ -3146,16 +5323,15 @@
           </p:cNvPicPr>
           <p:nvPr/>
         </p:nvPicPr>
-        <p:blipFill>
-          <a:blip r:embed="rId7"/>
-          <a:stretch>
-            <a:fillRect/>
-          </a:stretch>
+        <p:blipFill rotWithShape="1">
+          <a:blip r:embed="rId6"/>
+          <a:srcRect l="15161" b="16941"/>
+          <a:stretch/>
         </p:blipFill>
         <p:spPr>
           <a:xfrm>
-            <a:off x="4616970" y="2277709"/>
-            <a:ext cx="2308485" cy="2308485"/>
+            <a:off x="4890749" y="2277709"/>
+            <a:ext cx="1958506" cy="1917407"/>
           </a:xfrm>
           <a:prstGeom prst="rect">
             <a:avLst/>
@@ -3176,16 +5352,15 @@
           </p:cNvPicPr>
           <p:nvPr/>
         </p:nvPicPr>
-        <p:blipFill>
-          <a:blip r:embed="rId8"/>
-          <a:stretch>
-            <a:fillRect/>
-          </a:stretch>
+        <p:blipFill rotWithShape="1">
+          <a:blip r:embed="rId7"/>
+          <a:srcRect l="18129" b="16124"/>
+          <a:stretch/>
         </p:blipFill>
         <p:spPr>
           <a:xfrm>
-            <a:off x="22485" y="4600046"/>
-            <a:ext cx="2286000" cy="2286000"/>
+            <a:off x="436929" y="4600046"/>
+            <a:ext cx="1871556" cy="1917409"/>
           </a:xfrm>
           <a:prstGeom prst="rect">
             <a:avLst/>
@@ -3206,16 +5381,15 @@
           </p:cNvPicPr>
           <p:nvPr/>
         </p:nvPicPr>
-        <p:blipFill>
-          <a:blip r:embed="rId9"/>
-          <a:stretch>
-            <a:fillRect/>
-          </a:stretch>
+        <p:blipFill rotWithShape="1">
+          <a:blip r:embed="rId8"/>
+          <a:srcRect l="16724" b="16567"/>
+          <a:stretch/>
         </p:blipFill>
         <p:spPr>
           <a:xfrm>
-            <a:off x="2353453" y="4591417"/>
-            <a:ext cx="2308485" cy="2308485"/>
+            <a:off x="2663312" y="4591418"/>
+            <a:ext cx="1922423" cy="1926038"/>
           </a:xfrm>
           <a:prstGeom prst="rect">
             <a:avLst/>
@@ -3236,16 +5410,15 @@
           </p:cNvPicPr>
           <p:nvPr/>
         </p:nvPicPr>
-        <p:blipFill>
-          <a:blip r:embed="rId10"/>
-          <a:stretch>
-            <a:fillRect/>
-          </a:stretch>
+        <p:blipFill rotWithShape="1">
+          <a:blip r:embed="rId9"/>
+          <a:srcRect l="15904" b="15747"/>
+          <a:stretch/>
         </p:blipFill>
         <p:spPr>
           <a:xfrm>
-            <a:off x="4572004" y="4600044"/>
-            <a:ext cx="2286000" cy="2286000"/>
+            <a:off x="4910179" y="4600044"/>
+            <a:ext cx="1922423" cy="1926038"/>
           </a:xfrm>
           <a:prstGeom prst="rect">
             <a:avLst/>
@@ -3266,16 +5439,15 @@
           </p:cNvPicPr>
           <p:nvPr/>
         </p:nvPicPr>
-        <p:blipFill>
-          <a:blip r:embed="rId11"/>
-          <a:stretch>
-            <a:fillRect/>
-          </a:stretch>
+        <p:blipFill rotWithShape="1">
+          <a:blip r:embed="rId10"/>
+          <a:srcRect l="17147" b="16124"/>
+          <a:stretch/>
         </p:blipFill>
         <p:spPr>
           <a:xfrm>
-            <a:off x="44969" y="6840061"/>
-            <a:ext cx="2286000" cy="2286000"/>
+            <a:off x="436929" y="6840061"/>
+            <a:ext cx="1894039" cy="1917409"/>
           </a:xfrm>
           <a:prstGeom prst="rect">
             <a:avLst/>
@@ -3296,16 +5468,15 @@
           </p:cNvPicPr>
           <p:nvPr/>
         </p:nvPicPr>
-        <p:blipFill>
-          <a:blip r:embed="rId12"/>
-          <a:stretch>
-            <a:fillRect/>
-          </a:stretch>
+        <p:blipFill rotWithShape="1">
+          <a:blip r:embed="rId11"/>
+          <a:srcRect l="16594" b="16567"/>
+          <a:stretch/>
         </p:blipFill>
         <p:spPr>
           <a:xfrm>
-            <a:off x="2314106" y="6826207"/>
-            <a:ext cx="2308485" cy="2308485"/>
+            <a:off x="2663312" y="6826207"/>
+            <a:ext cx="1925411" cy="1926039"/>
           </a:xfrm>
           <a:prstGeom prst="rect">
             <a:avLst/>
@@ -3326,16 +5497,911 @@
           </p:cNvPicPr>
           <p:nvPr/>
         </p:nvPicPr>
-        <p:blipFill>
-          <a:blip r:embed="rId13"/>
-          <a:stretch>
-            <a:fillRect/>
-          </a:stretch>
+        <p:blipFill rotWithShape="1">
+          <a:blip r:embed="rId12"/>
+          <a:srcRect l="15161" b="16567"/>
+          <a:stretch/>
         </p:blipFill>
         <p:spPr>
           <a:xfrm>
-            <a:off x="4639454" y="6817573"/>
-            <a:ext cx="2308485" cy="2308485"/>
+            <a:off x="4887829" y="6826040"/>
+            <a:ext cx="1958506" cy="1926039"/>
+          </a:xfrm>
+          <a:prstGeom prst="rect">
+            <a:avLst/>
+          </a:prstGeom>
+        </p:spPr>
+      </p:pic>
+      <p:sp>
+        <p:nvSpPr>
+          <p:cNvPr id="8" name="TextBox 7">
+            <a:extLst>
+              <a:ext uri="{FF2B5EF4-FFF2-40B4-BE49-F238E27FC236}">
+                <a16:creationId xmlns:a16="http://schemas.microsoft.com/office/drawing/2014/main" id="{7B352FE8-6F1D-609F-164B-1B3F6B49DFC4}"/>
+              </a:ext>
+            </a:extLst>
+          </p:cNvPr>
+          <p:cNvSpPr txBox="1"/>
+          <p:nvPr/>
+        </p:nvSpPr>
+        <p:spPr>
+          <a:xfrm>
+            <a:off x="628395" y="105372"/>
+            <a:ext cx="1295547" cy="261610"/>
+          </a:xfrm>
+          <a:prstGeom prst="rect">
+            <a:avLst/>
+          </a:prstGeom>
+          <a:solidFill>
+            <a:srgbClr val="FFFFFF"/>
+          </a:solidFill>
+        </p:spPr>
+        <p:txBody>
+          <a:bodyPr wrap="none" rtlCol="0">
+            <a:spAutoFit/>
+          </a:bodyPr>
+          <a:lstStyle/>
+          <a:p>
+            <a:r>
+              <a:rPr lang="en-US" sz="1100" dirty="0">
+                <a:latin typeface="Helvetica" pitchFamily="2" charset="0"/>
+                <a:cs typeface="Times New Roman" panose="02020603050405020304" pitchFamily="18" charset="0"/>
+              </a:rPr>
+              <a:t>Barker </a:t>
+            </a:r>
+            <a:r>
+              <a:rPr lang="en-US" sz="1100" i="1" dirty="0">
+                <a:latin typeface="Helvetica" pitchFamily="2" charset="0"/>
+                <a:cs typeface="Times New Roman" panose="02020603050405020304" pitchFamily="18" charset="0"/>
+              </a:rPr>
+              <a:t>et al</a:t>
+            </a:r>
+            <a:r>
+              <a:rPr lang="en-US" sz="1100" dirty="0">
+                <a:latin typeface="Helvetica" pitchFamily="2" charset="0"/>
+                <a:cs typeface="Times New Roman" panose="02020603050405020304" pitchFamily="18" charset="0"/>
+              </a:rPr>
+              <a:t>. 2013</a:t>
+            </a:r>
+          </a:p>
+        </p:txBody>
+      </p:sp>
+      <p:sp>
+        <p:nvSpPr>
+          <p:cNvPr id="10" name="TextBox 9">
+            <a:extLst>
+              <a:ext uri="{FF2B5EF4-FFF2-40B4-BE49-F238E27FC236}">
+                <a16:creationId xmlns:a16="http://schemas.microsoft.com/office/drawing/2014/main" id="{46230C77-6784-6EF2-B212-6E6646865C13}"/>
+              </a:ext>
+            </a:extLst>
+          </p:cNvPr>
+          <p:cNvSpPr txBox="1"/>
+          <p:nvPr/>
+        </p:nvSpPr>
+        <p:spPr>
+          <a:xfrm>
+            <a:off x="2742920" y="105372"/>
+            <a:ext cx="1646363" cy="261610"/>
+          </a:xfrm>
+          <a:prstGeom prst="rect">
+            <a:avLst/>
+          </a:prstGeom>
+          <a:solidFill>
+            <a:srgbClr val="FFFFFF"/>
+          </a:solidFill>
+        </p:spPr>
+        <p:txBody>
+          <a:bodyPr wrap="square" rtlCol="0">
+            <a:spAutoFit/>
+          </a:bodyPr>
+          <a:lstStyle/>
+          <a:p>
+            <a:pPr algn="ctr"/>
+            <a:r>
+              <a:rPr lang="en-US" sz="1100" dirty="0">
+                <a:latin typeface="Helvetica" pitchFamily="2" charset="0"/>
+                <a:cs typeface="Times New Roman" panose="02020603050405020304" pitchFamily="18" charset="0"/>
+              </a:rPr>
+              <a:t>Barker </a:t>
+            </a:r>
+            <a:r>
+              <a:rPr lang="en-US" sz="1100" i="1" dirty="0">
+                <a:latin typeface="Helvetica" pitchFamily="2" charset="0"/>
+                <a:cs typeface="Times New Roman" panose="02020603050405020304" pitchFamily="18" charset="0"/>
+              </a:rPr>
+              <a:t>et al</a:t>
+            </a:r>
+            <a:r>
+              <a:rPr lang="en-US" sz="1100" dirty="0">
+                <a:latin typeface="Helvetica" pitchFamily="2" charset="0"/>
+                <a:cs typeface="Times New Roman" panose="02020603050405020304" pitchFamily="18" charset="0"/>
+              </a:rPr>
+              <a:t>. 2015</a:t>
+            </a:r>
+          </a:p>
+        </p:txBody>
+      </p:sp>
+      <p:sp>
+        <p:nvSpPr>
+          <p:cNvPr id="12" name="TextBox 11">
+            <a:extLst>
+              <a:ext uri="{FF2B5EF4-FFF2-40B4-BE49-F238E27FC236}">
+                <a16:creationId xmlns:a16="http://schemas.microsoft.com/office/drawing/2014/main" id="{9B3ED06B-5478-9929-E840-787613FC2418}"/>
+              </a:ext>
+            </a:extLst>
+          </p:cNvPr>
+          <p:cNvSpPr txBox="1"/>
+          <p:nvPr/>
+        </p:nvSpPr>
+        <p:spPr>
+          <a:xfrm>
+            <a:off x="4992275" y="105372"/>
+            <a:ext cx="1646363" cy="261610"/>
+          </a:xfrm>
+          <a:prstGeom prst="rect">
+            <a:avLst/>
+          </a:prstGeom>
+          <a:solidFill>
+            <a:srgbClr val="FFFFFF"/>
+          </a:solidFill>
+        </p:spPr>
+        <p:txBody>
+          <a:bodyPr wrap="square" rtlCol="0">
+            <a:spAutoFit/>
+          </a:bodyPr>
+          <a:lstStyle/>
+          <a:p>
+            <a:pPr algn="ctr"/>
+            <a:r>
+              <a:rPr lang="en-US" sz="1100" dirty="0">
+                <a:latin typeface="Helvetica" pitchFamily="2" charset="0"/>
+                <a:cs typeface="Times New Roman" panose="02020603050405020304" pitchFamily="18" charset="0"/>
+              </a:rPr>
+              <a:t>Burns </a:t>
+            </a:r>
+            <a:r>
+              <a:rPr lang="en-US" sz="1100" i="1" dirty="0">
+                <a:latin typeface="Helvetica" pitchFamily="2" charset="0"/>
+                <a:cs typeface="Times New Roman" panose="02020603050405020304" pitchFamily="18" charset="0"/>
+              </a:rPr>
+              <a:t>et al</a:t>
+            </a:r>
+            <a:r>
+              <a:rPr lang="en-US" sz="1100" dirty="0">
+                <a:latin typeface="Helvetica" pitchFamily="2" charset="0"/>
+                <a:cs typeface="Times New Roman" panose="02020603050405020304" pitchFamily="18" charset="0"/>
+              </a:rPr>
+              <a:t>. 2015</a:t>
+            </a:r>
+          </a:p>
+        </p:txBody>
+      </p:sp>
+      <p:sp>
+        <p:nvSpPr>
+          <p:cNvPr id="14" name="TextBox 13">
+            <a:extLst>
+              <a:ext uri="{FF2B5EF4-FFF2-40B4-BE49-F238E27FC236}">
+                <a16:creationId xmlns:a16="http://schemas.microsoft.com/office/drawing/2014/main" id="{E24355E4-886C-F78D-688D-BFE60CCAD783}"/>
+              </a:ext>
+            </a:extLst>
+          </p:cNvPr>
+          <p:cNvSpPr txBox="1"/>
+          <p:nvPr/>
+        </p:nvSpPr>
+        <p:spPr>
+          <a:xfrm>
+            <a:off x="472459" y="2384855"/>
+            <a:ext cx="1627274" cy="261610"/>
+          </a:xfrm>
+          <a:prstGeom prst="rect">
+            <a:avLst/>
+          </a:prstGeom>
+          <a:solidFill>
+            <a:srgbClr val="FFFFFF"/>
+          </a:solidFill>
+        </p:spPr>
+        <p:txBody>
+          <a:bodyPr wrap="square" rtlCol="0">
+            <a:spAutoFit/>
+          </a:bodyPr>
+          <a:lstStyle/>
+          <a:p>
+            <a:pPr algn="ctr"/>
+            <a:r>
+              <a:rPr lang="en-US" sz="1100" dirty="0">
+                <a:latin typeface="Helvetica" pitchFamily="2" charset="0"/>
+                <a:cs typeface="Times New Roman" panose="02020603050405020304" pitchFamily="18" charset="0"/>
+              </a:rPr>
+              <a:t>Gibb </a:t>
+            </a:r>
+            <a:r>
+              <a:rPr lang="en-US" sz="1100" i="1" dirty="0">
+                <a:latin typeface="Helvetica" pitchFamily="2" charset="0"/>
+                <a:cs typeface="Times New Roman" panose="02020603050405020304" pitchFamily="18" charset="0"/>
+              </a:rPr>
+              <a:t>et al</a:t>
+            </a:r>
+            <a:r>
+              <a:rPr lang="en-US" sz="1100" dirty="0">
+                <a:latin typeface="Helvetica" pitchFamily="2" charset="0"/>
+                <a:cs typeface="Times New Roman" panose="02020603050405020304" pitchFamily="18" charset="0"/>
+              </a:rPr>
+              <a:t>. 2015</a:t>
+            </a:r>
+          </a:p>
+        </p:txBody>
+      </p:sp>
+      <p:sp>
+        <p:nvSpPr>
+          <p:cNvPr id="16" name="TextBox 15">
+            <a:extLst>
+              <a:ext uri="{FF2B5EF4-FFF2-40B4-BE49-F238E27FC236}">
+                <a16:creationId xmlns:a16="http://schemas.microsoft.com/office/drawing/2014/main" id="{7DB4FC92-7CC7-3E60-55AB-718A6E3A9570}"/>
+              </a:ext>
+            </a:extLst>
+          </p:cNvPr>
+          <p:cNvSpPr txBox="1"/>
+          <p:nvPr/>
+        </p:nvSpPr>
+        <p:spPr>
+          <a:xfrm>
+            <a:off x="2743466" y="2384855"/>
+            <a:ext cx="1627274" cy="261610"/>
+          </a:xfrm>
+          <a:prstGeom prst="rect">
+            <a:avLst/>
+          </a:prstGeom>
+          <a:solidFill>
+            <a:srgbClr val="FFFFFF"/>
+          </a:solidFill>
+        </p:spPr>
+        <p:txBody>
+          <a:bodyPr wrap="square" rtlCol="0">
+            <a:spAutoFit/>
+          </a:bodyPr>
+          <a:lstStyle/>
+          <a:p>
+            <a:pPr algn="ctr"/>
+            <a:r>
+              <a:rPr lang="en-US" sz="1100" dirty="0">
+                <a:latin typeface="Helvetica" pitchFamily="2" charset="0"/>
+                <a:cs typeface="Times New Roman" panose="02020603050405020304" pitchFamily="18" charset="0"/>
+              </a:rPr>
+              <a:t>Hedges </a:t>
+            </a:r>
+            <a:r>
+              <a:rPr lang="en-US" sz="1100" i="1" dirty="0">
+                <a:latin typeface="Helvetica" pitchFamily="2" charset="0"/>
+                <a:cs typeface="Times New Roman" panose="02020603050405020304" pitchFamily="18" charset="0"/>
+              </a:rPr>
+              <a:t>et al</a:t>
+            </a:r>
+            <a:r>
+              <a:rPr lang="en-US" sz="1100" dirty="0">
+                <a:latin typeface="Helvetica" pitchFamily="2" charset="0"/>
+                <a:cs typeface="Times New Roman" panose="02020603050405020304" pitchFamily="18" charset="0"/>
+              </a:rPr>
+              <a:t>. 2015</a:t>
+            </a:r>
+          </a:p>
+        </p:txBody>
+      </p:sp>
+      <p:sp>
+        <p:nvSpPr>
+          <p:cNvPr id="18" name="TextBox 17">
+            <a:extLst>
+              <a:ext uri="{FF2B5EF4-FFF2-40B4-BE49-F238E27FC236}">
+                <a16:creationId xmlns:a16="http://schemas.microsoft.com/office/drawing/2014/main" id="{79A6EB8A-4D10-4D8D-0E94-E3E1DF8673A9}"/>
+              </a:ext>
+            </a:extLst>
+          </p:cNvPr>
+          <p:cNvSpPr txBox="1"/>
+          <p:nvPr/>
+        </p:nvSpPr>
+        <p:spPr>
+          <a:xfrm>
+            <a:off x="5006783" y="2384855"/>
+            <a:ext cx="1627274" cy="261610"/>
+          </a:xfrm>
+          <a:prstGeom prst="rect">
+            <a:avLst/>
+          </a:prstGeom>
+          <a:solidFill>
+            <a:srgbClr val="FFFFFF"/>
+          </a:solidFill>
+        </p:spPr>
+        <p:txBody>
+          <a:bodyPr wrap="square" rtlCol="0">
+            <a:spAutoFit/>
+          </a:bodyPr>
+          <a:lstStyle/>
+          <a:p>
+            <a:pPr algn="ctr"/>
+            <a:r>
+              <a:rPr lang="en-US" sz="1100" dirty="0">
+                <a:latin typeface="Helvetica" pitchFamily="2" charset="0"/>
+                <a:cs typeface="Times New Roman" panose="02020603050405020304" pitchFamily="18" charset="0"/>
+              </a:rPr>
+              <a:t>Hooper </a:t>
+            </a:r>
+            <a:r>
+              <a:rPr lang="en-US" sz="1100" i="1" dirty="0">
+                <a:latin typeface="Helvetica" pitchFamily="2" charset="0"/>
+                <a:cs typeface="Times New Roman" panose="02020603050405020304" pitchFamily="18" charset="0"/>
+              </a:rPr>
+              <a:t>et al</a:t>
+            </a:r>
+            <a:r>
+              <a:rPr lang="en-US" sz="1100" dirty="0">
+                <a:latin typeface="Helvetica" pitchFamily="2" charset="0"/>
+                <a:cs typeface="Times New Roman" panose="02020603050405020304" pitchFamily="18" charset="0"/>
+              </a:rPr>
+              <a:t>. 2017</a:t>
+            </a:r>
+          </a:p>
+        </p:txBody>
+      </p:sp>
+      <p:sp>
+        <p:nvSpPr>
+          <p:cNvPr id="20" name="TextBox 19">
+            <a:extLst>
+              <a:ext uri="{FF2B5EF4-FFF2-40B4-BE49-F238E27FC236}">
+                <a16:creationId xmlns:a16="http://schemas.microsoft.com/office/drawing/2014/main" id="{A85C5B61-9DE6-3D05-02A4-701893EC2ECA}"/>
+              </a:ext>
+            </a:extLst>
+          </p:cNvPr>
+          <p:cNvSpPr txBox="1"/>
+          <p:nvPr/>
+        </p:nvSpPr>
+        <p:spPr>
+          <a:xfrm>
+            <a:off x="480927" y="4704723"/>
+            <a:ext cx="1627274" cy="261610"/>
+          </a:xfrm>
+          <a:prstGeom prst="rect">
+            <a:avLst/>
+          </a:prstGeom>
+          <a:solidFill>
+            <a:srgbClr val="FFFFFF"/>
+          </a:solidFill>
+        </p:spPr>
+        <p:txBody>
+          <a:bodyPr wrap="square" rtlCol="0">
+            <a:spAutoFit/>
+          </a:bodyPr>
+          <a:lstStyle/>
+          <a:p>
+            <a:pPr algn="ctr"/>
+            <a:r>
+              <a:rPr lang="en-US" sz="1100" dirty="0" err="1">
+                <a:latin typeface="Helvetica" pitchFamily="2" charset="0"/>
+                <a:cs typeface="Times New Roman" panose="02020603050405020304" pitchFamily="18" charset="0"/>
+              </a:rPr>
+              <a:t>Jetz</a:t>
+            </a:r>
+            <a:r>
+              <a:rPr lang="en-US" sz="1100" dirty="0">
+                <a:latin typeface="Helvetica" pitchFamily="2" charset="0"/>
+                <a:cs typeface="Times New Roman" panose="02020603050405020304" pitchFamily="18" charset="0"/>
+              </a:rPr>
+              <a:t> </a:t>
+            </a:r>
+            <a:r>
+              <a:rPr lang="en-US" sz="1100" i="1" dirty="0">
+                <a:latin typeface="Helvetica" pitchFamily="2" charset="0"/>
+                <a:cs typeface="Times New Roman" panose="02020603050405020304" pitchFamily="18" charset="0"/>
+              </a:rPr>
+              <a:t>et al</a:t>
+            </a:r>
+            <a:r>
+              <a:rPr lang="en-US" sz="1100" dirty="0">
+                <a:latin typeface="Helvetica" pitchFamily="2" charset="0"/>
+                <a:cs typeface="Times New Roman" panose="02020603050405020304" pitchFamily="18" charset="0"/>
+              </a:rPr>
+              <a:t>. 2012</a:t>
+            </a:r>
+          </a:p>
+        </p:txBody>
+      </p:sp>
+      <p:sp>
+        <p:nvSpPr>
+          <p:cNvPr id="22" name="TextBox 21">
+            <a:extLst>
+              <a:ext uri="{FF2B5EF4-FFF2-40B4-BE49-F238E27FC236}">
+                <a16:creationId xmlns:a16="http://schemas.microsoft.com/office/drawing/2014/main" id="{008C2884-9C69-BA6B-559C-BEB986616DD7}"/>
+              </a:ext>
+            </a:extLst>
+          </p:cNvPr>
+          <p:cNvSpPr txBox="1"/>
+          <p:nvPr/>
+        </p:nvSpPr>
+        <p:spPr>
+          <a:xfrm>
+            <a:off x="2751934" y="4696256"/>
+            <a:ext cx="1627274" cy="261610"/>
+          </a:xfrm>
+          <a:prstGeom prst="rect">
+            <a:avLst/>
+          </a:prstGeom>
+          <a:solidFill>
+            <a:srgbClr val="FFFFFF"/>
+          </a:solidFill>
+        </p:spPr>
+        <p:txBody>
+          <a:bodyPr wrap="square" rtlCol="0">
+            <a:spAutoFit/>
+          </a:bodyPr>
+          <a:lstStyle/>
+          <a:p>
+            <a:pPr algn="ctr"/>
+            <a:r>
+              <a:rPr lang="en-US" sz="1100" dirty="0">
+                <a:latin typeface="Helvetica" pitchFamily="2" charset="0"/>
+                <a:cs typeface="Times New Roman" panose="02020603050405020304" pitchFamily="18" charset="0"/>
+              </a:rPr>
+              <a:t>Kimball </a:t>
+            </a:r>
+            <a:r>
+              <a:rPr lang="en-US" sz="1100" i="1" dirty="0">
+                <a:latin typeface="Helvetica" pitchFamily="2" charset="0"/>
+                <a:cs typeface="Times New Roman" panose="02020603050405020304" pitchFamily="18" charset="0"/>
+              </a:rPr>
+              <a:t>et al</a:t>
+            </a:r>
+            <a:r>
+              <a:rPr lang="en-US" sz="1100" dirty="0">
+                <a:latin typeface="Helvetica" pitchFamily="2" charset="0"/>
+                <a:cs typeface="Times New Roman" panose="02020603050405020304" pitchFamily="18" charset="0"/>
+              </a:rPr>
+              <a:t>. 2019</a:t>
+            </a:r>
+          </a:p>
+        </p:txBody>
+      </p:sp>
+      <p:sp>
+        <p:nvSpPr>
+          <p:cNvPr id="24" name="TextBox 23">
+            <a:extLst>
+              <a:ext uri="{FF2B5EF4-FFF2-40B4-BE49-F238E27FC236}">
+                <a16:creationId xmlns:a16="http://schemas.microsoft.com/office/drawing/2014/main" id="{8BE3187D-8B0E-0429-7BED-A58E596BE6A7}"/>
+              </a:ext>
+            </a:extLst>
+          </p:cNvPr>
+          <p:cNvSpPr txBox="1"/>
+          <p:nvPr/>
+        </p:nvSpPr>
+        <p:spPr>
+          <a:xfrm>
+            <a:off x="5006786" y="4704723"/>
+            <a:ext cx="1627274" cy="261610"/>
+          </a:xfrm>
+          <a:prstGeom prst="rect">
+            <a:avLst/>
+          </a:prstGeom>
+          <a:solidFill>
+            <a:srgbClr val="FFFFFF"/>
+          </a:solidFill>
+        </p:spPr>
+        <p:txBody>
+          <a:bodyPr wrap="square" rtlCol="0">
+            <a:spAutoFit/>
+          </a:bodyPr>
+          <a:lstStyle/>
+          <a:p>
+            <a:pPr algn="ctr"/>
+            <a:r>
+              <a:rPr lang="en-US" sz="1100" dirty="0">
+                <a:latin typeface="Helvetica" pitchFamily="2" charset="0"/>
+                <a:cs typeface="Times New Roman" panose="02020603050405020304" pitchFamily="18" charset="0"/>
+              </a:rPr>
+              <a:t>Oliveros </a:t>
+            </a:r>
+            <a:r>
+              <a:rPr lang="en-US" sz="1100" i="1" dirty="0">
+                <a:latin typeface="Helvetica" pitchFamily="2" charset="0"/>
+                <a:cs typeface="Times New Roman" panose="02020603050405020304" pitchFamily="18" charset="0"/>
+              </a:rPr>
+              <a:t>et al</a:t>
+            </a:r>
+            <a:r>
+              <a:rPr lang="en-US" sz="1100" dirty="0">
+                <a:latin typeface="Helvetica" pitchFamily="2" charset="0"/>
+                <a:cs typeface="Times New Roman" panose="02020603050405020304" pitchFamily="18" charset="0"/>
+              </a:rPr>
+              <a:t>. 2019</a:t>
+            </a:r>
+          </a:p>
+        </p:txBody>
+      </p:sp>
+      <p:sp>
+        <p:nvSpPr>
+          <p:cNvPr id="28" name="TextBox 27">
+            <a:extLst>
+              <a:ext uri="{FF2B5EF4-FFF2-40B4-BE49-F238E27FC236}">
+                <a16:creationId xmlns:a16="http://schemas.microsoft.com/office/drawing/2014/main" id="{114B35C6-4E7B-1DEF-3575-7B081FB6B2F6}"/>
+              </a:ext>
+            </a:extLst>
+          </p:cNvPr>
+          <p:cNvSpPr txBox="1"/>
+          <p:nvPr/>
+        </p:nvSpPr>
+        <p:spPr>
+          <a:xfrm>
+            <a:off x="480926" y="6948398"/>
+            <a:ext cx="1627274" cy="261610"/>
+          </a:xfrm>
+          <a:prstGeom prst="rect">
+            <a:avLst/>
+          </a:prstGeom>
+          <a:solidFill>
+            <a:srgbClr val="FFFFFF"/>
+          </a:solidFill>
+        </p:spPr>
+        <p:txBody>
+          <a:bodyPr wrap="square" rtlCol="0">
+            <a:spAutoFit/>
+          </a:bodyPr>
+          <a:lstStyle/>
+          <a:p>
+            <a:pPr algn="ctr"/>
+            <a:r>
+              <a:rPr lang="en-US" sz="1100" dirty="0">
+                <a:latin typeface="Helvetica" pitchFamily="2" charset="0"/>
+                <a:cs typeface="Times New Roman" panose="02020603050405020304" pitchFamily="18" charset="0"/>
+              </a:rPr>
+              <a:t>Price </a:t>
+            </a:r>
+            <a:r>
+              <a:rPr lang="en-US" sz="1100" i="1" dirty="0">
+                <a:latin typeface="Helvetica" pitchFamily="2" charset="0"/>
+                <a:cs typeface="Times New Roman" panose="02020603050405020304" pitchFamily="18" charset="0"/>
+              </a:rPr>
+              <a:t>et al</a:t>
+            </a:r>
+            <a:r>
+              <a:rPr lang="en-US" sz="1100" dirty="0">
+                <a:latin typeface="Helvetica" pitchFamily="2" charset="0"/>
+                <a:cs typeface="Times New Roman" panose="02020603050405020304" pitchFamily="18" charset="0"/>
+              </a:rPr>
+              <a:t>. 2014</a:t>
+            </a:r>
+          </a:p>
+        </p:txBody>
+      </p:sp>
+      <p:sp>
+        <p:nvSpPr>
+          <p:cNvPr id="29" name="TextBox 28">
+            <a:extLst>
+              <a:ext uri="{FF2B5EF4-FFF2-40B4-BE49-F238E27FC236}">
+                <a16:creationId xmlns:a16="http://schemas.microsoft.com/office/drawing/2014/main" id="{49DD578D-DB7C-EF82-EE75-ECE50ADAEC67}"/>
+              </a:ext>
+            </a:extLst>
+          </p:cNvPr>
+          <p:cNvSpPr txBox="1"/>
+          <p:nvPr/>
+        </p:nvSpPr>
+        <p:spPr>
+          <a:xfrm>
+            <a:off x="2751933" y="6931464"/>
+            <a:ext cx="1627274" cy="261610"/>
+          </a:xfrm>
+          <a:prstGeom prst="rect">
+            <a:avLst/>
+          </a:prstGeom>
+          <a:solidFill>
+            <a:srgbClr val="FFFFFF"/>
+          </a:solidFill>
+        </p:spPr>
+        <p:txBody>
+          <a:bodyPr wrap="square" rtlCol="0">
+            <a:spAutoFit/>
+          </a:bodyPr>
+          <a:lstStyle/>
+          <a:p>
+            <a:pPr algn="ctr"/>
+            <a:r>
+              <a:rPr lang="en-US" sz="1100" dirty="0">
+                <a:latin typeface="Helvetica" pitchFamily="2" charset="0"/>
+                <a:cs typeface="Times New Roman" panose="02020603050405020304" pitchFamily="18" charset="0"/>
+              </a:rPr>
+              <a:t>Roquet </a:t>
+            </a:r>
+            <a:r>
+              <a:rPr lang="en-US" sz="1100" i="1" dirty="0">
+                <a:latin typeface="Helvetica" pitchFamily="2" charset="0"/>
+                <a:cs typeface="Times New Roman" panose="02020603050405020304" pitchFamily="18" charset="0"/>
+              </a:rPr>
+              <a:t>et al</a:t>
+            </a:r>
+            <a:r>
+              <a:rPr lang="en-US" sz="1100" dirty="0">
+                <a:latin typeface="Helvetica" pitchFamily="2" charset="0"/>
+                <a:cs typeface="Times New Roman" panose="02020603050405020304" pitchFamily="18" charset="0"/>
+              </a:rPr>
+              <a:t>. 2014</a:t>
+            </a:r>
+          </a:p>
+        </p:txBody>
+      </p:sp>
+      <p:sp>
+        <p:nvSpPr>
+          <p:cNvPr id="30" name="TextBox 29">
+            <a:extLst>
+              <a:ext uri="{FF2B5EF4-FFF2-40B4-BE49-F238E27FC236}">
+                <a16:creationId xmlns:a16="http://schemas.microsoft.com/office/drawing/2014/main" id="{A6B3106C-C1F1-690B-FB99-B5F772AF4532}"/>
+              </a:ext>
+            </a:extLst>
+          </p:cNvPr>
+          <p:cNvSpPr txBox="1"/>
+          <p:nvPr/>
+        </p:nvSpPr>
+        <p:spPr>
+          <a:xfrm>
+            <a:off x="5006785" y="6931464"/>
+            <a:ext cx="1627274" cy="261610"/>
+          </a:xfrm>
+          <a:prstGeom prst="rect">
+            <a:avLst/>
+          </a:prstGeom>
+          <a:solidFill>
+            <a:srgbClr val="FFFFFF"/>
+          </a:solidFill>
+        </p:spPr>
+        <p:txBody>
+          <a:bodyPr wrap="square" rtlCol="0">
+            <a:spAutoFit/>
+          </a:bodyPr>
+          <a:lstStyle/>
+          <a:p>
+            <a:pPr algn="ctr"/>
+            <a:r>
+              <a:rPr lang="en-US" sz="1100" dirty="0">
+                <a:latin typeface="Helvetica" pitchFamily="2" charset="0"/>
+                <a:cs typeface="Times New Roman" panose="02020603050405020304" pitchFamily="18" charset="0"/>
+              </a:rPr>
+              <a:t>Uyeda </a:t>
+            </a:r>
+            <a:r>
+              <a:rPr lang="en-US" sz="1100" i="1" dirty="0">
+                <a:latin typeface="Helvetica" pitchFamily="2" charset="0"/>
+                <a:cs typeface="Times New Roman" panose="02020603050405020304" pitchFamily="18" charset="0"/>
+              </a:rPr>
+              <a:t>et al</a:t>
+            </a:r>
+            <a:r>
+              <a:rPr lang="en-US" sz="1100" dirty="0">
+                <a:latin typeface="Helvetica" pitchFamily="2" charset="0"/>
+                <a:cs typeface="Times New Roman" panose="02020603050405020304" pitchFamily="18" charset="0"/>
+              </a:rPr>
+              <a:t>. 2017</a:t>
+            </a:r>
+          </a:p>
+        </p:txBody>
+      </p:sp>
+      <p:grpSp>
+        <p:nvGrpSpPr>
+          <p:cNvPr id="37" name="Group 36">
+            <a:extLst>
+              <a:ext uri="{FF2B5EF4-FFF2-40B4-BE49-F238E27FC236}">
+                <a16:creationId xmlns:a16="http://schemas.microsoft.com/office/drawing/2014/main" id="{671A73D6-C665-AA77-C2AB-BF14A566001C}"/>
+              </a:ext>
+            </a:extLst>
+          </p:cNvPr>
+          <p:cNvGrpSpPr/>
+          <p:nvPr/>
+        </p:nvGrpSpPr>
+        <p:grpSpPr>
+          <a:xfrm>
+            <a:off x="5908" y="253997"/>
+            <a:ext cx="2285643" cy="2049971"/>
+            <a:chOff x="5908" y="253997"/>
+            <a:chExt cx="2285643" cy="2049971"/>
+          </a:xfrm>
+        </p:grpSpPr>
+        <p:sp>
+          <p:nvSpPr>
+            <p:cNvPr id="32" name="TextBox 31">
+              <a:extLst>
+                <a:ext uri="{FF2B5EF4-FFF2-40B4-BE49-F238E27FC236}">
+                  <a16:creationId xmlns:a16="http://schemas.microsoft.com/office/drawing/2014/main" id="{229DBB88-4245-8574-A8F1-8D771CB9FDF7}"/>
+                </a:ext>
+              </a:extLst>
+            </p:cNvPr>
+            <p:cNvSpPr txBox="1"/>
+            <p:nvPr/>
+          </p:nvSpPr>
+          <p:spPr>
+            <a:xfrm>
+              <a:off x="436929" y="1848756"/>
+              <a:ext cx="1854622" cy="215444"/>
+            </a:xfrm>
+            <a:prstGeom prst="rect">
+              <a:avLst/>
+            </a:prstGeom>
+            <a:solidFill>
+              <a:srgbClr val="FFFFFF"/>
+            </a:solidFill>
+          </p:spPr>
+          <p:txBody>
+            <a:bodyPr wrap="square" rtlCol="0">
+              <a:spAutoFit/>
+            </a:bodyPr>
+            <a:lstStyle/>
+            <a:p>
+              <a:pPr algn="ctr"/>
+              <a:r>
+                <a:rPr lang="en-US" sz="800" dirty="0">
+                  <a:latin typeface="Helvetica" pitchFamily="2" charset="0"/>
+                  <a:cs typeface="Times New Roman" panose="02020603050405020304" pitchFamily="18" charset="0"/>
+                </a:rPr>
+                <a:t>40       30         20        10         0</a:t>
+              </a:r>
+            </a:p>
+          </p:txBody>
+        </p:sp>
+        <p:sp>
+          <p:nvSpPr>
+            <p:cNvPr id="31" name="TextBox 30">
+              <a:extLst>
+                <a:ext uri="{FF2B5EF4-FFF2-40B4-BE49-F238E27FC236}">
+                  <a16:creationId xmlns:a16="http://schemas.microsoft.com/office/drawing/2014/main" id="{C69D8775-3DCA-DD80-40A6-997A1A9F8D1D}"/>
+                </a:ext>
+              </a:extLst>
+            </p:cNvPr>
+            <p:cNvSpPr txBox="1"/>
+            <p:nvPr/>
+          </p:nvSpPr>
+          <p:spPr>
+            <a:xfrm rot="16200000">
+              <a:off x="-417480" y="925210"/>
+              <a:ext cx="1557869" cy="215444"/>
+            </a:xfrm>
+            <a:prstGeom prst="rect">
+              <a:avLst/>
+            </a:prstGeom>
+            <a:solidFill>
+              <a:srgbClr val="FFFFFF"/>
+            </a:solidFill>
+          </p:spPr>
+          <p:txBody>
+            <a:bodyPr wrap="square" rtlCol="0">
+              <a:spAutoFit/>
+            </a:bodyPr>
+            <a:lstStyle/>
+            <a:p>
+              <a:pPr algn="ctr"/>
+              <a:r>
+                <a:rPr lang="en-US" sz="800" dirty="0">
+                  <a:latin typeface="Helvetica" pitchFamily="2" charset="0"/>
+                  <a:cs typeface="Times New Roman" panose="02020603050405020304" pitchFamily="18" charset="0"/>
+                </a:rPr>
+                <a:t>40      30       20      10        0</a:t>
+              </a:r>
+            </a:p>
+          </p:txBody>
+        </p:sp>
+        <p:sp>
+          <p:nvSpPr>
+            <p:cNvPr id="33" name="TextBox 32">
+              <a:extLst>
+                <a:ext uri="{FF2B5EF4-FFF2-40B4-BE49-F238E27FC236}">
+                  <a16:creationId xmlns:a16="http://schemas.microsoft.com/office/drawing/2014/main" id="{0F76FD81-48AA-CC8E-50BC-85265D2FC581}"/>
+                </a:ext>
+              </a:extLst>
+            </p:cNvPr>
+            <p:cNvSpPr txBox="1"/>
+            <p:nvPr/>
+          </p:nvSpPr>
+          <p:spPr>
+            <a:xfrm>
+              <a:off x="447541" y="1965414"/>
+              <a:ext cx="1660659" cy="338554"/>
+            </a:xfrm>
+            <a:prstGeom prst="rect">
+              <a:avLst/>
+            </a:prstGeom>
+            <a:noFill/>
+          </p:spPr>
+          <p:txBody>
+            <a:bodyPr wrap="square" rtlCol="0">
+              <a:spAutoFit/>
+            </a:bodyPr>
+            <a:lstStyle/>
+            <a:p>
+              <a:pPr algn="ctr"/>
+              <a:r>
+                <a:rPr lang="en-US" sz="800" dirty="0">
+                  <a:latin typeface="Helvetica" pitchFamily="2" charset="0"/>
+                  <a:cs typeface="Times New Roman" panose="02020603050405020304" pitchFamily="18" charset="0"/>
+                </a:rPr>
+                <a:t>Original node ages</a:t>
+              </a:r>
+            </a:p>
+            <a:p>
+              <a:pPr algn="ctr"/>
+              <a:r>
+                <a:rPr lang="en-US" sz="800" dirty="0">
+                  <a:latin typeface="Helvetica" pitchFamily="2" charset="0"/>
+                  <a:cs typeface="Times New Roman" panose="02020603050405020304" pitchFamily="18" charset="0"/>
+                </a:rPr>
+                <a:t>Time (Ma)</a:t>
+              </a:r>
+            </a:p>
+          </p:txBody>
+        </p:sp>
+        <p:sp>
+          <p:nvSpPr>
+            <p:cNvPr id="34" name="TextBox 33">
+              <a:extLst>
+                <a:ext uri="{FF2B5EF4-FFF2-40B4-BE49-F238E27FC236}">
+                  <a16:creationId xmlns:a16="http://schemas.microsoft.com/office/drawing/2014/main" id="{53E6BC5D-EDE3-9FDF-4CCC-C2AD88F3A671}"/>
+                </a:ext>
+              </a:extLst>
+            </p:cNvPr>
+            <p:cNvSpPr txBox="1"/>
+            <p:nvPr/>
+          </p:nvSpPr>
+          <p:spPr>
+            <a:xfrm rot="16200000">
+              <a:off x="-562929" y="932900"/>
+              <a:ext cx="1476228" cy="338554"/>
+            </a:xfrm>
+            <a:prstGeom prst="rect">
+              <a:avLst/>
+            </a:prstGeom>
+            <a:noFill/>
+          </p:spPr>
+          <p:txBody>
+            <a:bodyPr wrap="square" rtlCol="0">
+              <a:spAutoFit/>
+            </a:bodyPr>
+            <a:lstStyle/>
+            <a:p>
+              <a:pPr algn="ctr"/>
+              <a:r>
+                <a:rPr lang="en-US" sz="800" dirty="0">
+                  <a:latin typeface="Helvetica" pitchFamily="2" charset="0"/>
+                  <a:cs typeface="Times New Roman" panose="02020603050405020304" pitchFamily="18" charset="0"/>
+                </a:rPr>
+                <a:t>Cross validated node ages</a:t>
+              </a:r>
+            </a:p>
+            <a:p>
+              <a:pPr algn="ctr"/>
+              <a:r>
+                <a:rPr lang="en-US" sz="800" dirty="0">
+                  <a:latin typeface="Helvetica" pitchFamily="2" charset="0"/>
+                  <a:cs typeface="Times New Roman" panose="02020603050405020304" pitchFamily="18" charset="0"/>
+                </a:rPr>
+                <a:t>Time (Ma)</a:t>
+              </a:r>
+            </a:p>
+          </p:txBody>
+        </p:sp>
+      </p:grpSp>
+      <p:pic>
+        <p:nvPicPr>
+          <p:cNvPr id="43" name="Picture 42">
+            <a:extLst>
+              <a:ext uri="{FF2B5EF4-FFF2-40B4-BE49-F238E27FC236}">
+                <a16:creationId xmlns:a16="http://schemas.microsoft.com/office/drawing/2014/main" id="{98673E23-AC82-6901-BE6C-A73D89DD870D}"/>
+              </a:ext>
+            </a:extLst>
+          </p:cNvPr>
+          <p:cNvPicPr>
+            <a:picLocks noChangeAspect="1"/>
+          </p:cNvPicPr>
+          <p:nvPr/>
+        </p:nvPicPr>
+        <p:blipFill rotWithShape="1">
+          <a:blip r:embed="rId13"/>
+          <a:srcRect l="15404" t="12981" b="16939"/>
+          <a:stretch/>
+        </p:blipFill>
+        <p:spPr>
+          <a:xfrm>
+            <a:off x="355600" y="296570"/>
+            <a:ext cx="1952886" cy="1617771"/>
           </a:xfrm>
           <a:prstGeom prst="rect">
             <a:avLst/>
@@ -3356,8 +6422,8 @@
         </p:nvSpPr>
         <p:spPr>
           <a:xfrm>
-            <a:off x="193961" y="27925"/>
-            <a:ext cx="4990469" cy="276999"/>
+            <a:off x="193961" y="95661"/>
+            <a:ext cx="4958409" cy="276999"/>
           </a:xfrm>
           <a:prstGeom prst="rect">
             <a:avLst/>
@@ -3372,20 +6438,20 @@
           <a:p>
             <a:r>
               <a:rPr lang="en-US" sz="1200" dirty="0">
-                <a:latin typeface="Andale Mono" panose="020B0509000000000004" pitchFamily="49" charset="0"/>
+                <a:latin typeface="Helvetica" pitchFamily="2" charset="0"/>
                 <a:cs typeface="Times New Roman" panose="02020603050405020304" pitchFamily="18" charset="0"/>
               </a:rPr>
-              <a:t>a)                       b)       			     c)</a:t>
-            </a:r>
-          </a:p>
-        </p:txBody>
-      </p:sp>
-      <p:sp>
-        <p:nvSpPr>
-          <p:cNvPr id="3" name="TextBox 2">
+              <a:t>a)                                                  b)       			                    c)</a:t>
+            </a:r>
+          </a:p>
+        </p:txBody>
+      </p:sp>
+      <p:sp>
+        <p:nvSpPr>
+          <p:cNvPr id="94" name="TextBox 93">
             <a:extLst>
               <a:ext uri="{FF2B5EF4-FFF2-40B4-BE49-F238E27FC236}">
-                <a16:creationId xmlns:a16="http://schemas.microsoft.com/office/drawing/2014/main" id="{49D4EBA9-C2E8-E1E9-29A9-9D8C31B899E6}"/>
+                <a16:creationId xmlns:a16="http://schemas.microsoft.com/office/drawing/2014/main" id="{F5CAEDAA-9764-9AEE-51AF-4B0AED4AF1D9}"/>
               </a:ext>
             </a:extLst>
           </p:cNvPr>
@@ -3394,8 +6460,8 @@
         </p:nvSpPr>
         <p:spPr>
           <a:xfrm>
-            <a:off x="196456" y="2314045"/>
-            <a:ext cx="4990469" cy="276999"/>
+            <a:off x="193961" y="2373200"/>
+            <a:ext cx="4958409" cy="276999"/>
           </a:xfrm>
           <a:prstGeom prst="rect">
             <a:avLst/>
@@ -3410,20 +6476,20 @@
           <a:p>
             <a:r>
               <a:rPr lang="en-US" sz="1200" dirty="0">
-                <a:latin typeface="Andale Mono" panose="020B0509000000000004" pitchFamily="49" charset="0"/>
+                <a:latin typeface="Helvetica" pitchFamily="2" charset="0"/>
                 <a:cs typeface="Times New Roman" panose="02020603050405020304" pitchFamily="18" charset="0"/>
               </a:rPr>
-              <a:t>d)                       e)       			     f)</a:t>
-            </a:r>
-          </a:p>
-        </p:txBody>
-      </p:sp>
-      <p:sp>
-        <p:nvSpPr>
-          <p:cNvPr id="4" name="TextBox 3">
+              <a:t>d)                                                  e)       			                    f)</a:t>
+            </a:r>
+          </a:p>
+        </p:txBody>
+      </p:sp>
+      <p:sp>
+        <p:nvSpPr>
+          <p:cNvPr id="95" name="TextBox 94">
             <a:extLst>
               <a:ext uri="{FF2B5EF4-FFF2-40B4-BE49-F238E27FC236}">
-                <a16:creationId xmlns:a16="http://schemas.microsoft.com/office/drawing/2014/main" id="{E93F2218-4FE7-ACEC-D67F-34D1390C8A5B}"/>
+                <a16:creationId xmlns:a16="http://schemas.microsoft.com/office/drawing/2014/main" id="{4D0D73DF-2FC9-E85E-1366-B17F9DAC37E9}"/>
               </a:ext>
             </a:extLst>
           </p:cNvPr>
@@ -3432,8 +6498,8 @@
         </p:nvSpPr>
         <p:spPr>
           <a:xfrm>
-            <a:off x="198951" y="4641730"/>
-            <a:ext cx="4990469" cy="276999"/>
+            <a:off x="209862" y="4693407"/>
+            <a:ext cx="4958409" cy="276999"/>
           </a:xfrm>
           <a:prstGeom prst="rect">
             <a:avLst/>
@@ -3448,20 +6514,34 @@
           <a:p>
             <a:r>
               <a:rPr lang="en-US" sz="1200" dirty="0">
-                <a:latin typeface="Andale Mono" panose="020B0509000000000004" pitchFamily="49" charset="0"/>
+                <a:latin typeface="Helvetica" pitchFamily="2" charset="0"/>
                 <a:cs typeface="Times New Roman" panose="02020603050405020304" pitchFamily="18" charset="0"/>
               </a:rPr>
-              <a:t>g)                       h)       			     i)</a:t>
-            </a:r>
-          </a:p>
-        </p:txBody>
-      </p:sp>
-      <p:sp>
-        <p:nvSpPr>
-          <p:cNvPr id="6" name="TextBox 5">
+              <a:t>g)                                                  h)       			                    </a:t>
+            </a:r>
+            <a:r>
+              <a:rPr lang="en-US" sz="1200" dirty="0" err="1">
+                <a:latin typeface="Helvetica" pitchFamily="2" charset="0"/>
+                <a:cs typeface="Times New Roman" panose="02020603050405020304" pitchFamily="18" charset="0"/>
+              </a:rPr>
+              <a:t>i</a:t>
+            </a:r>
+            <a:r>
+              <a:rPr lang="en-US" sz="1200" dirty="0">
+                <a:latin typeface="Helvetica" pitchFamily="2" charset="0"/>
+                <a:cs typeface="Times New Roman" panose="02020603050405020304" pitchFamily="18" charset="0"/>
+              </a:rPr>
+              <a:t>)</a:t>
+            </a:r>
+          </a:p>
+        </p:txBody>
+      </p:sp>
+      <p:sp>
+        <p:nvSpPr>
+          <p:cNvPr id="96" name="TextBox 95">
             <a:extLst>
               <a:ext uri="{FF2B5EF4-FFF2-40B4-BE49-F238E27FC236}">
-                <a16:creationId xmlns:a16="http://schemas.microsoft.com/office/drawing/2014/main" id="{7E0C5CDB-F71A-54B9-399C-C3467EFD7CA5}"/>
+                <a16:creationId xmlns:a16="http://schemas.microsoft.com/office/drawing/2014/main" id="{695E790F-D748-57B8-A0D8-06FDCAF0EE64}"/>
               </a:ext>
             </a:extLst>
           </p:cNvPr>
@@ -3470,8 +6550,8 @@
         </p:nvSpPr>
         <p:spPr>
           <a:xfrm>
-            <a:off x="201446" y="6858575"/>
-            <a:ext cx="4990469" cy="276999"/>
+            <a:off x="269126" y="6928614"/>
+            <a:ext cx="4958409" cy="276999"/>
           </a:xfrm>
           <a:prstGeom prst="rect">
             <a:avLst/>
@@ -3486,11 +6566,36 @@
           <a:p>
             <a:r>
               <a:rPr lang="en-US" sz="1200" dirty="0">
-                <a:latin typeface="Andale Mono" panose="020B0509000000000004" pitchFamily="49" charset="0"/>
+                <a:latin typeface="Helvetica" pitchFamily="2" charset="0"/>
                 <a:cs typeface="Times New Roman" panose="02020603050405020304" pitchFamily="18" charset="0"/>
               </a:rPr>
-              <a:t>j)                       k)       			     l)</a:t>
-            </a:r>
+              <a:t>j)                                                  k)       			</a:t>
+            </a:r>
+            <a:r>
+              <a:rPr lang="en-US" sz="1200">
+                <a:latin typeface="Helvetica" pitchFamily="2" charset="0"/>
+                <a:cs typeface="Times New Roman" panose="02020603050405020304" pitchFamily="18" charset="0"/>
+              </a:rPr>
+              <a:t>                    </a:t>
+            </a:r>
+            <a:r>
+              <a:rPr lang="en-US" sz="1200" dirty="0">
+                <a:latin typeface="Helvetica" pitchFamily="2" charset="0"/>
+                <a:cs typeface="Times New Roman" panose="02020603050405020304" pitchFamily="18" charset="0"/>
+              </a:rPr>
+              <a:t>l</a:t>
+            </a:r>
+            <a:r>
+              <a:rPr lang="en-US" sz="1200">
+                <a:latin typeface="Helvetica" pitchFamily="2" charset="0"/>
+                <a:cs typeface="Times New Roman" panose="02020603050405020304" pitchFamily="18" charset="0"/>
+              </a:rPr>
+              <a:t>)</a:t>
+            </a:r>
+            <a:endParaRPr lang="en-US" sz="1200" dirty="0">
+              <a:latin typeface="Helvetica" pitchFamily="2" charset="0"/>
+              <a:cs typeface="Times New Roman" panose="02020603050405020304" pitchFamily="18" charset="0"/>
+            </a:endParaRPr>
           </a:p>
         </p:txBody>
       </p:sp>
